--- a/WeeklyPresentations/update12_06_13.pptx
+++ b/WeeklyPresentations/update12_06_13.pptx
@@ -7,16 +7,19 @@
   <p:sldIdLst>
     <p:sldId id="256" r:id="rId2"/>
     <p:sldId id="259" r:id="rId3"/>
-    <p:sldId id="266" r:id="rId4"/>
-    <p:sldId id="260" r:id="rId5"/>
-    <p:sldId id="261" r:id="rId6"/>
-    <p:sldId id="262" r:id="rId7"/>
-    <p:sldId id="263" r:id="rId8"/>
-    <p:sldId id="264" r:id="rId9"/>
-    <p:sldId id="267" r:id="rId10"/>
-    <p:sldId id="265" r:id="rId11"/>
-    <p:sldId id="268" r:id="rId12"/>
-    <p:sldId id="258" r:id="rId13"/>
+    <p:sldId id="260" r:id="rId4"/>
+    <p:sldId id="261" r:id="rId5"/>
+    <p:sldId id="262" r:id="rId6"/>
+    <p:sldId id="263" r:id="rId7"/>
+    <p:sldId id="264" r:id="rId8"/>
+    <p:sldId id="271" r:id="rId9"/>
+    <p:sldId id="266" r:id="rId10"/>
+    <p:sldId id="270" r:id="rId11"/>
+    <p:sldId id="272" r:id="rId12"/>
+    <p:sldId id="267" r:id="rId13"/>
+    <p:sldId id="265" r:id="rId14"/>
+    <p:sldId id="268" r:id="rId15"/>
+    <p:sldId id="258" r:id="rId16"/>
   </p:sldIdLst>
   <p:sldSz cx="12192000" cy="6858000"/>
   <p:notesSz cx="6858000" cy="9144000"/>
@@ -271,7 +274,7 @@
             <a:fld id="{B61BEF0D-F0BB-DE4B-95CE-6DB70DBA9567}" type="datetimeFigureOut">
               <a:rPr lang="en-US" smtClean="0"/>
               <a:pPr/>
-              <a:t>6/12/2019</a:t>
+              <a:t>6/13/2019</a:t>
             </a:fld>
             <a:endParaRPr lang="en-US" dirty="0"/>
           </a:p>
@@ -471,7 +474,7 @@
             <a:fld id="{B61BEF0D-F0BB-DE4B-95CE-6DB70DBA9567}" type="datetimeFigureOut">
               <a:rPr lang="en-US" smtClean="0"/>
               <a:pPr/>
-              <a:t>6/12/2019</a:t>
+              <a:t>6/13/2019</a:t>
             </a:fld>
             <a:endParaRPr lang="en-US" dirty="0"/>
           </a:p>
@@ -681,7 +684,7 @@
             <a:fld id="{B61BEF0D-F0BB-DE4B-95CE-6DB70DBA9567}" type="datetimeFigureOut">
               <a:rPr lang="en-US" smtClean="0"/>
               <a:pPr/>
-              <a:t>6/12/2019</a:t>
+              <a:t>6/13/2019</a:t>
             </a:fld>
             <a:endParaRPr lang="en-US" dirty="0"/>
           </a:p>
@@ -881,7 +884,7 @@
             <a:fld id="{B61BEF0D-F0BB-DE4B-95CE-6DB70DBA9567}" type="datetimeFigureOut">
               <a:rPr lang="en-US" smtClean="0"/>
               <a:pPr/>
-              <a:t>6/12/2019</a:t>
+              <a:t>6/13/2019</a:t>
             </a:fld>
             <a:endParaRPr lang="en-US" dirty="0"/>
           </a:p>
@@ -1158,7 +1161,7 @@
             <a:fld id="{B61BEF0D-F0BB-DE4B-95CE-6DB70DBA9567}" type="datetimeFigureOut">
               <a:rPr lang="en-US" smtClean="0"/>
               <a:pPr/>
-              <a:t>6/12/2019</a:t>
+              <a:t>6/13/2019</a:t>
             </a:fld>
             <a:endParaRPr lang="en-US" dirty="0"/>
           </a:p>
@@ -1425,7 +1428,7 @@
             <a:fld id="{B61BEF0D-F0BB-DE4B-95CE-6DB70DBA9567}" type="datetimeFigureOut">
               <a:rPr lang="en-US" smtClean="0"/>
               <a:pPr/>
-              <a:t>6/12/2019</a:t>
+              <a:t>6/13/2019</a:t>
             </a:fld>
             <a:endParaRPr lang="en-US" dirty="0"/>
           </a:p>
@@ -1839,7 +1842,7 @@
             <a:fld id="{B61BEF0D-F0BB-DE4B-95CE-6DB70DBA9567}" type="datetimeFigureOut">
               <a:rPr lang="en-US" smtClean="0"/>
               <a:pPr/>
-              <a:t>6/12/2019</a:t>
+              <a:t>6/13/2019</a:t>
             </a:fld>
             <a:endParaRPr lang="en-US" dirty="0"/>
           </a:p>
@@ -1982,7 +1985,7 @@
             <a:fld id="{B61BEF0D-F0BB-DE4B-95CE-6DB70DBA9567}" type="datetimeFigureOut">
               <a:rPr lang="en-US" smtClean="0"/>
               <a:pPr/>
-              <a:t>6/12/2019</a:t>
+              <a:t>6/13/2019</a:t>
             </a:fld>
             <a:endParaRPr lang="en-US" dirty="0"/>
           </a:p>
@@ -2097,7 +2100,7 @@
             <a:fld id="{B61BEF0D-F0BB-DE4B-95CE-6DB70DBA9567}" type="datetimeFigureOut">
               <a:rPr lang="en-US" smtClean="0"/>
               <a:pPr/>
-              <a:t>6/12/2019</a:t>
+              <a:t>6/13/2019</a:t>
             </a:fld>
             <a:endParaRPr lang="en-US" dirty="0"/>
           </a:p>
@@ -2410,7 +2413,7 @@
             <a:fld id="{B61BEF0D-F0BB-DE4B-95CE-6DB70DBA9567}" type="datetimeFigureOut">
               <a:rPr lang="en-US" smtClean="0"/>
               <a:pPr/>
-              <a:t>6/12/2019</a:t>
+              <a:t>6/13/2019</a:t>
             </a:fld>
             <a:endParaRPr lang="en-US" dirty="0"/>
           </a:p>
@@ -2700,7 +2703,7 @@
             <a:fld id="{B61BEF0D-F0BB-DE4B-95CE-6DB70DBA9567}" type="datetimeFigureOut">
               <a:rPr lang="en-US" smtClean="0"/>
               <a:pPr/>
-              <a:t>6/12/2019</a:t>
+              <a:t>6/13/2019</a:t>
             </a:fld>
             <a:endParaRPr lang="en-US" dirty="0"/>
           </a:p>
@@ -2943,7 +2946,7 @@
             <a:fld id="{B61BEF0D-F0BB-DE4B-95CE-6DB70DBA9567}" type="datetimeFigureOut">
               <a:rPr lang="en-US" smtClean="0"/>
               <a:pPr/>
-              <a:t>6/12/2019</a:t>
+              <a:t>6/13/2019</a:t>
             </a:fld>
             <a:endParaRPr lang="en-US" dirty="0"/>
           </a:p>
@@ -3460,7 +3463,7 @@
           <p:cNvPr id="2" name="Title 1">
             <a:extLst>
               <a:ext uri="{FF2B5EF4-FFF2-40B4-BE49-F238E27FC236}">
-                <a16:creationId xmlns:a16="http://schemas.microsoft.com/office/drawing/2014/main" id="{E1DC2D20-DDCA-46AC-A4FF-59265EAB038C}"/>
+                <a16:creationId xmlns:a16="http://schemas.microsoft.com/office/drawing/2014/main" id="{0E241615-05EE-43B4-8987-7757C61344AC}"/>
               </a:ext>
             </a:extLst>
           </p:cNvPr>
@@ -3478,7 +3481,7 @@
           <a:p>
             <a:r>
               <a:rPr lang="en-US" altLang="zh-CN" dirty="0"/>
-              <a:t>Timing/Results</a:t>
+              <a:t>My theory</a:t>
             </a:r>
             <a:endParaRPr lang="zh-CN" altLang="en-US" dirty="0"/>
           </a:p>
@@ -3489,7 +3492,7 @@
           <p:cNvPr id="3" name="Content Placeholder 2">
             <a:extLst>
               <a:ext uri="{FF2B5EF4-FFF2-40B4-BE49-F238E27FC236}">
-                <a16:creationId xmlns:a16="http://schemas.microsoft.com/office/drawing/2014/main" id="{EED7E538-1641-4117-B1C2-8EE0F2970AC0}"/>
+                <a16:creationId xmlns:a16="http://schemas.microsoft.com/office/drawing/2014/main" id="{2BE660DB-5C0C-46BD-8FED-EBB4EC91E8C4}"/>
               </a:ext>
             </a:extLst>
           </p:cNvPr>
@@ -3500,39 +3503,121 @@
             <p:ph idx="1"/>
           </p:nvPr>
         </p:nvSpPr>
-        <p:spPr/>
-        <p:txBody>
-          <a:bodyPr/>
-          <a:lstStyle/>
-          <a:p>
-            <a:r>
-              <a:rPr lang="en-US" altLang="zh-CN" dirty="0"/>
-              <a:t>Faster than CPU by a lot</a:t>
-            </a:r>
-          </a:p>
-          <a:p>
+        <p:spPr>
+          <a:xfrm>
+            <a:off x="838200" y="1825625"/>
+            <a:ext cx="8044543" cy="4351338"/>
+          </a:xfrm>
+        </p:spPr>
+        <p:txBody>
+          <a:bodyPr>
+            <a:normAutofit fontScale="92500" lnSpcReduction="20000"/>
+          </a:bodyPr>
+          <a:lstStyle/>
+          <a:p>
+            <a:r>
+              <a:rPr lang="en-US" altLang="zh-CN" dirty="0"/>
+              <a:t>Observe the gradients from the simulation </a:t>
+            </a:r>
+          </a:p>
+          <a:p>
+            <a:r>
+              <a:rPr lang="en-US" altLang="zh-CN" dirty="0"/>
+              <a:t>Gradients in general want to push up the correct neuron by a lot, and at the same time lower the other gradients a bit</a:t>
+            </a:r>
+          </a:p>
+          <a:p>
+            <a:r>
+              <a:rPr lang="en-US" altLang="zh-CN" dirty="0"/>
+              <a:t>The gradients are Q3.13, activations are Q8.8</a:t>
+            </a:r>
+          </a:p>
+          <a:p>
+            <a:pPr lvl="1"/>
+            <a:r>
+              <a:rPr lang="en-US" altLang="zh-CN" dirty="0"/>
+              <a:t>When updated, these are multiplied by 0.001, or shifted to the right by 10. Only 3 fractional bits remaining, so gradients effectively truncated at </a:t>
+            </a:r>
+            <a:r>
+              <a:rPr lang="en-US" altLang="zh-CN"/>
+              <a:t>0.125 steps.</a:t>
+            </a:r>
             <a:endParaRPr lang="en-US" altLang="zh-CN" dirty="0"/>
           </a:p>
           <a:p>
-            <a:r>
-              <a:rPr lang="en-US" altLang="zh-CN" dirty="0"/>
-              <a:t>GPU</a:t>
-            </a:r>
-          </a:p>
-          <a:p>
             <a:pPr lvl="1"/>
             <a:r>
               <a:rPr lang="en-US" altLang="zh-CN" dirty="0"/>
-              <a:t>Faster for batch size of 1, but I discovered the GPU doesn’t parallelize by single input, it parallelizes by batch. So Batch size of 10 is roughly 10x faster than 1. Not entirely linear, but batch size of 200 is </a:t>
-            </a:r>
+              <a:t>Result is that many of the gradients that “push” final layer neuron output down get effectively truncated to zero, and as a result, the pushing up is much stronger than the pushing down</a:t>
+            </a:r>
+          </a:p>
+          <a:p>
+            <a:r>
+              <a:rPr lang="en-US" altLang="zh-CN" dirty="0"/>
+              <a:t>Recall the </a:t>
+            </a:r>
+            <a:r>
+              <a:rPr lang="en-US" altLang="zh-CN" dirty="0" err="1"/>
+              <a:t>the</a:t>
+            </a:r>
+            <a:r>
+              <a:rPr lang="en-US" altLang="zh-CN" dirty="0"/>
+              <a:t> </a:t>
+            </a:r>
+            <a:r>
+              <a:rPr lang="en-US" altLang="zh-CN" dirty="0" err="1"/>
+              <a:t>train_small</a:t>
+            </a:r>
+            <a:r>
+              <a:rPr lang="en-US" altLang="zh-CN" dirty="0"/>
+              <a:t> example, learning happens, as the accuracy does occur, but if neuron output is only pushed up, then eventually they will all saturate</a:t>
+            </a:r>
+          </a:p>
+          <a:p>
+            <a:endParaRPr lang="en-US" altLang="zh-CN" dirty="0"/>
+          </a:p>
+          <a:p>
+            <a:endParaRPr lang="en-US" altLang="zh-CN" dirty="0"/>
+          </a:p>
+          <a:p>
             <a:endParaRPr lang="zh-CN" altLang="en-US" dirty="0"/>
           </a:p>
         </p:txBody>
       </p:sp>
+      <p:pic>
+        <p:nvPicPr>
+          <p:cNvPr id="4" name="Picture 3">
+            <a:extLst>
+              <a:ext uri="{FF2B5EF4-FFF2-40B4-BE49-F238E27FC236}">
+                <a16:creationId xmlns:a16="http://schemas.microsoft.com/office/drawing/2014/main" id="{B90C2A5F-2354-4A88-BB3A-EF39B26318A5}"/>
+              </a:ext>
+            </a:extLst>
+          </p:cNvPr>
+          <p:cNvPicPr>
+            <a:picLocks noChangeAspect="1"/>
+          </p:cNvPicPr>
+          <p:nvPr/>
+        </p:nvPicPr>
+        <p:blipFill>
+          <a:blip r:embed="rId2"/>
+          <a:stretch>
+            <a:fillRect/>
+          </a:stretch>
+        </p:blipFill>
+        <p:spPr>
+          <a:xfrm>
+            <a:off x="9163050" y="1896972"/>
+            <a:ext cx="2190750" cy="2486025"/>
+          </a:xfrm>
+          <a:prstGeom prst="rect">
+            <a:avLst/>
+          </a:prstGeom>
+        </p:spPr>
+      </p:pic>
     </p:spTree>
     <p:extLst>
       <p:ext uri="{BB962C8B-B14F-4D97-AF65-F5344CB8AC3E}">
-        <p14:creationId xmlns:p14="http://schemas.microsoft.com/office/powerpoint/2010/main" val="3082937436"/>
+        <p14:creationId xmlns:p14="http://schemas.microsoft.com/office/powerpoint/2010/main" val="662011955"/>
       </p:ext>
     </p:extLst>
   </p:cSld>
@@ -3564,6 +3649,452 @@
           <p:cNvPr id="2" name="Title 1">
             <a:extLst>
               <a:ext uri="{FF2B5EF4-FFF2-40B4-BE49-F238E27FC236}">
+                <a16:creationId xmlns:a16="http://schemas.microsoft.com/office/drawing/2014/main" id="{31038C94-013F-4AB8-898D-9F0522DCD67A}"/>
+              </a:ext>
+            </a:extLst>
+          </p:cNvPr>
+          <p:cNvSpPr>
+            <a:spLocks noGrp="1"/>
+          </p:cNvSpPr>
+          <p:nvPr>
+            <p:ph type="title"/>
+          </p:nvPr>
+        </p:nvSpPr>
+        <p:spPr/>
+        <p:txBody>
+          <a:bodyPr/>
+          <a:lstStyle/>
+          <a:p>
+            <a:r>
+              <a:rPr lang="en-US" altLang="zh-CN" dirty="0"/>
+              <a:t>Solution: More Precision Needed</a:t>
+            </a:r>
+            <a:endParaRPr lang="zh-CN" altLang="en-US" dirty="0"/>
+          </a:p>
+        </p:txBody>
+      </p:sp>
+      <p:sp>
+        <p:nvSpPr>
+          <p:cNvPr id="3" name="Content Placeholder 2">
+            <a:extLst>
+              <a:ext uri="{FF2B5EF4-FFF2-40B4-BE49-F238E27FC236}">
+                <a16:creationId xmlns:a16="http://schemas.microsoft.com/office/drawing/2014/main" id="{AAEF4B46-D418-4E8F-A9A5-63E1AD1D9706}"/>
+              </a:ext>
+            </a:extLst>
+          </p:cNvPr>
+          <p:cNvSpPr>
+            <a:spLocks noGrp="1"/>
+          </p:cNvSpPr>
+          <p:nvPr>
+            <p:ph idx="1"/>
+          </p:nvPr>
+        </p:nvSpPr>
+        <p:spPr/>
+        <p:txBody>
+          <a:bodyPr/>
+          <a:lstStyle/>
+          <a:p>
+            <a:r>
+              <a:rPr lang="en-US" altLang="zh-CN" dirty="0"/>
+              <a:t>Will try 24-bit and 32-bit solutions to see if training can be successfully implemented in such a scheme</a:t>
+            </a:r>
+            <a:endParaRPr lang="zh-CN" altLang="en-US" dirty="0"/>
+          </a:p>
+        </p:txBody>
+      </p:sp>
+    </p:spTree>
+    <p:extLst>
+      <p:ext uri="{BB962C8B-B14F-4D97-AF65-F5344CB8AC3E}">
+        <p14:creationId xmlns:p14="http://schemas.microsoft.com/office/powerpoint/2010/main" val="3852508301"/>
+      </p:ext>
+    </p:extLst>
+  </p:cSld>
+  <p:clrMapOvr>
+    <a:masterClrMapping/>
+  </p:clrMapOvr>
+</p:sld>
+</file>
+
+<file path=ppt/slides/slide12.xml><?xml version="1.0" encoding="utf-8"?>
+<p:sld xmlns:a="http://schemas.openxmlformats.org/drawingml/2006/main" xmlns:r="http://schemas.openxmlformats.org/officeDocument/2006/relationships" xmlns:p="http://schemas.openxmlformats.org/presentationml/2006/main">
+  <p:cSld>
+    <p:spTree>
+      <p:nvGrpSpPr>
+        <p:cNvPr id="1" name=""/>
+        <p:cNvGrpSpPr/>
+        <p:nvPr/>
+      </p:nvGrpSpPr>
+      <p:grpSpPr>
+        <a:xfrm>
+          <a:off x="0" y="0"/>
+          <a:ext cx="0" cy="0"/>
+          <a:chOff x="0" y="0"/>
+          <a:chExt cx="0" cy="0"/>
+        </a:xfrm>
+      </p:grpSpPr>
+      <p:sp>
+        <p:nvSpPr>
+          <p:cNvPr id="2" name="Title 1">
+            <a:extLst>
+              <a:ext uri="{FF2B5EF4-FFF2-40B4-BE49-F238E27FC236}">
+                <a16:creationId xmlns:a16="http://schemas.microsoft.com/office/drawing/2014/main" id="{BF37AF50-E874-40DC-8C2E-B5BD19F2DAF9}"/>
+              </a:ext>
+            </a:extLst>
+          </p:cNvPr>
+          <p:cNvSpPr>
+            <a:spLocks noGrp="1"/>
+          </p:cNvSpPr>
+          <p:nvPr>
+            <p:ph type="title"/>
+          </p:nvPr>
+        </p:nvSpPr>
+        <p:spPr/>
+        <p:txBody>
+          <a:bodyPr/>
+          <a:lstStyle/>
+          <a:p>
+            <a:r>
+              <a:rPr lang="en-US" altLang="zh-CN" dirty="0"/>
+              <a:t>FPGA Clock Frequency </a:t>
+            </a:r>
+            <a:endParaRPr lang="zh-CN" altLang="en-US" dirty="0"/>
+          </a:p>
+        </p:txBody>
+      </p:sp>
+      <p:sp>
+        <p:nvSpPr>
+          <p:cNvPr id="3" name="Content Placeholder 2">
+            <a:extLst>
+              <a:ext uri="{FF2B5EF4-FFF2-40B4-BE49-F238E27FC236}">
+                <a16:creationId xmlns:a16="http://schemas.microsoft.com/office/drawing/2014/main" id="{969D5339-C071-4981-86DC-2791BA061D27}"/>
+              </a:ext>
+            </a:extLst>
+          </p:cNvPr>
+          <p:cNvSpPr>
+            <a:spLocks noGrp="1"/>
+          </p:cNvSpPr>
+          <p:nvPr>
+            <p:ph idx="1"/>
+          </p:nvPr>
+        </p:nvSpPr>
+        <p:spPr>
+          <a:xfrm>
+            <a:off x="838200" y="1825625"/>
+            <a:ext cx="4752703" cy="4351338"/>
+          </a:xfrm>
+        </p:spPr>
+        <p:txBody>
+          <a:bodyPr>
+            <a:normAutofit fontScale="85000" lnSpcReduction="10000"/>
+          </a:bodyPr>
+          <a:lstStyle/>
+          <a:p>
+            <a:r>
+              <a:rPr lang="en-US" altLang="zh-CN" dirty="0"/>
+              <a:t>FPGA being at 50 MHz, should I try to get it back to 100 MHz?</a:t>
+            </a:r>
+          </a:p>
+          <a:p>
+            <a:pPr lvl="1"/>
+            <a:r>
+              <a:rPr lang="en-US" altLang="zh-CN" dirty="0"/>
+              <a:t>No, DDR transmission is the bottle neck, as observed by the active cycle percentage</a:t>
+            </a:r>
+          </a:p>
+          <a:p>
+            <a:endParaRPr lang="en-US" altLang="zh-CN" dirty="0"/>
+          </a:p>
+          <a:p>
+            <a:r>
+              <a:rPr lang="en-US" altLang="zh-CN" dirty="0"/>
+              <a:t>Also, active cycle percentage is ~2x for training compared to inference. </a:t>
+            </a:r>
+          </a:p>
+          <a:p>
+            <a:endParaRPr lang="en-US" altLang="zh-CN" dirty="0"/>
+          </a:p>
+          <a:p>
+            <a:r>
+              <a:rPr lang="en-US" altLang="zh-CN" dirty="0"/>
+              <a:t>This is because training is ~2x more cycles, so roughly ~2x more time to load the next image</a:t>
+            </a:r>
+            <a:endParaRPr lang="zh-CN" altLang="en-US" dirty="0"/>
+          </a:p>
+        </p:txBody>
+      </p:sp>
+      <p:pic>
+        <p:nvPicPr>
+          <p:cNvPr id="5" name="Picture 4">
+            <a:extLst>
+              <a:ext uri="{FF2B5EF4-FFF2-40B4-BE49-F238E27FC236}">
+                <a16:creationId xmlns:a16="http://schemas.microsoft.com/office/drawing/2014/main" id="{B34FB606-80DF-4D43-BCA9-CDACCDE5F8A9}"/>
+              </a:ext>
+            </a:extLst>
+          </p:cNvPr>
+          <p:cNvPicPr>
+            <a:picLocks noChangeAspect="1"/>
+          </p:cNvPicPr>
+          <p:nvPr/>
+        </p:nvPicPr>
+        <p:blipFill>
+          <a:blip r:embed="rId2"/>
+          <a:stretch>
+            <a:fillRect/>
+          </a:stretch>
+        </p:blipFill>
+        <p:spPr>
+          <a:xfrm>
+            <a:off x="5972719" y="2229139"/>
+            <a:ext cx="5924550" cy="1371600"/>
+          </a:xfrm>
+          <a:prstGeom prst="rect">
+            <a:avLst/>
+          </a:prstGeom>
+        </p:spPr>
+      </p:pic>
+      <p:pic>
+        <p:nvPicPr>
+          <p:cNvPr id="6" name="Picture 5">
+            <a:extLst>
+              <a:ext uri="{FF2B5EF4-FFF2-40B4-BE49-F238E27FC236}">
+                <a16:creationId xmlns:a16="http://schemas.microsoft.com/office/drawing/2014/main" id="{17E6619A-9124-4248-BA64-A4441D83A2D0}"/>
+              </a:ext>
+            </a:extLst>
+          </p:cNvPr>
+          <p:cNvPicPr>
+            <a:picLocks noChangeAspect="1"/>
+          </p:cNvPicPr>
+          <p:nvPr/>
+        </p:nvPicPr>
+        <p:blipFill>
+          <a:blip r:embed="rId3"/>
+          <a:stretch>
+            <a:fillRect/>
+          </a:stretch>
+        </p:blipFill>
+        <p:spPr>
+          <a:xfrm>
+            <a:off x="5972719" y="4835525"/>
+            <a:ext cx="6191250" cy="1657350"/>
+          </a:xfrm>
+          <a:prstGeom prst="rect">
+            <a:avLst/>
+          </a:prstGeom>
+        </p:spPr>
+      </p:pic>
+      <p:sp>
+        <p:nvSpPr>
+          <p:cNvPr id="7" name="TextBox 6">
+            <a:extLst>
+              <a:ext uri="{FF2B5EF4-FFF2-40B4-BE49-F238E27FC236}">
+                <a16:creationId xmlns:a16="http://schemas.microsoft.com/office/drawing/2014/main" id="{AA87A864-8538-452C-8202-12148CE0BC25}"/>
+              </a:ext>
+            </a:extLst>
+          </p:cNvPr>
+          <p:cNvSpPr txBox="1"/>
+          <p:nvPr/>
+        </p:nvSpPr>
+        <p:spPr>
+          <a:xfrm>
+            <a:off x="7058297" y="1859807"/>
+            <a:ext cx="3753394" cy="369332"/>
+          </a:xfrm>
+          <a:prstGeom prst="rect">
+            <a:avLst/>
+          </a:prstGeom>
+          <a:noFill/>
+        </p:spPr>
+        <p:txBody>
+          <a:bodyPr wrap="square" rtlCol="0">
+            <a:spAutoFit/>
+          </a:bodyPr>
+          <a:lstStyle/>
+          <a:p>
+            <a:pPr algn="ctr"/>
+            <a:r>
+              <a:rPr lang="en-US" altLang="zh-CN" dirty="0"/>
+              <a:t>Inference</a:t>
+            </a:r>
+            <a:endParaRPr lang="zh-CN" altLang="en-US" dirty="0"/>
+          </a:p>
+        </p:txBody>
+      </p:sp>
+      <p:sp>
+        <p:nvSpPr>
+          <p:cNvPr id="10" name="TextBox 9">
+            <a:extLst>
+              <a:ext uri="{FF2B5EF4-FFF2-40B4-BE49-F238E27FC236}">
+                <a16:creationId xmlns:a16="http://schemas.microsoft.com/office/drawing/2014/main" id="{4608F01D-3D8C-4EDE-9C3C-920F230CEECF}"/>
+              </a:ext>
+            </a:extLst>
+          </p:cNvPr>
+          <p:cNvSpPr txBox="1"/>
+          <p:nvPr/>
+        </p:nvSpPr>
+        <p:spPr>
+          <a:xfrm>
+            <a:off x="7058297" y="4508523"/>
+            <a:ext cx="3753394" cy="369332"/>
+          </a:xfrm>
+          <a:prstGeom prst="rect">
+            <a:avLst/>
+          </a:prstGeom>
+          <a:noFill/>
+        </p:spPr>
+        <p:txBody>
+          <a:bodyPr wrap="square" rtlCol="0">
+            <a:spAutoFit/>
+          </a:bodyPr>
+          <a:lstStyle/>
+          <a:p>
+            <a:pPr algn="ctr"/>
+            <a:r>
+              <a:rPr lang="en-US" altLang="zh-CN" dirty="0"/>
+              <a:t>Training</a:t>
+            </a:r>
+            <a:endParaRPr lang="zh-CN" altLang="en-US" dirty="0"/>
+          </a:p>
+        </p:txBody>
+      </p:sp>
+    </p:spTree>
+    <p:extLst>
+      <p:ext uri="{BB962C8B-B14F-4D97-AF65-F5344CB8AC3E}">
+        <p14:creationId xmlns:p14="http://schemas.microsoft.com/office/powerpoint/2010/main" val="707172514"/>
+      </p:ext>
+    </p:extLst>
+  </p:cSld>
+  <p:clrMapOvr>
+    <a:masterClrMapping/>
+  </p:clrMapOvr>
+</p:sld>
+</file>
+
+<file path=ppt/slides/slide13.xml><?xml version="1.0" encoding="utf-8"?>
+<p:sld xmlns:a="http://schemas.openxmlformats.org/drawingml/2006/main" xmlns:r="http://schemas.openxmlformats.org/officeDocument/2006/relationships" xmlns:p="http://schemas.openxmlformats.org/presentationml/2006/main">
+  <p:cSld>
+    <p:spTree>
+      <p:nvGrpSpPr>
+        <p:cNvPr id="1" name=""/>
+        <p:cNvGrpSpPr/>
+        <p:nvPr/>
+      </p:nvGrpSpPr>
+      <p:grpSpPr>
+        <a:xfrm>
+          <a:off x="0" y="0"/>
+          <a:ext cx="0" cy="0"/>
+          <a:chOff x="0" y="0"/>
+          <a:chExt cx="0" cy="0"/>
+        </a:xfrm>
+      </p:grpSpPr>
+      <p:sp>
+        <p:nvSpPr>
+          <p:cNvPr id="2" name="Title 1">
+            <a:extLst>
+              <a:ext uri="{FF2B5EF4-FFF2-40B4-BE49-F238E27FC236}">
+                <a16:creationId xmlns:a16="http://schemas.microsoft.com/office/drawing/2014/main" id="{E1DC2D20-DDCA-46AC-A4FF-59265EAB038C}"/>
+              </a:ext>
+            </a:extLst>
+          </p:cNvPr>
+          <p:cNvSpPr>
+            <a:spLocks noGrp="1"/>
+          </p:cNvSpPr>
+          <p:nvPr>
+            <p:ph type="title"/>
+          </p:nvPr>
+        </p:nvSpPr>
+        <p:spPr/>
+        <p:txBody>
+          <a:bodyPr/>
+          <a:lstStyle/>
+          <a:p>
+            <a:r>
+              <a:rPr lang="en-US" altLang="zh-CN" dirty="0"/>
+              <a:t>Timing/Results</a:t>
+            </a:r>
+            <a:endParaRPr lang="zh-CN" altLang="en-US" dirty="0"/>
+          </a:p>
+        </p:txBody>
+      </p:sp>
+      <p:sp>
+        <p:nvSpPr>
+          <p:cNvPr id="3" name="Content Placeholder 2">
+            <a:extLst>
+              <a:ext uri="{FF2B5EF4-FFF2-40B4-BE49-F238E27FC236}">
+                <a16:creationId xmlns:a16="http://schemas.microsoft.com/office/drawing/2014/main" id="{EED7E538-1641-4117-B1C2-8EE0F2970AC0}"/>
+              </a:ext>
+            </a:extLst>
+          </p:cNvPr>
+          <p:cNvSpPr>
+            <a:spLocks noGrp="1"/>
+          </p:cNvSpPr>
+          <p:nvPr>
+            <p:ph idx="1"/>
+          </p:nvPr>
+        </p:nvSpPr>
+        <p:spPr/>
+        <p:txBody>
+          <a:bodyPr/>
+          <a:lstStyle/>
+          <a:p>
+            <a:r>
+              <a:rPr lang="en-US" altLang="zh-CN" dirty="0"/>
+              <a:t>Faster than CPU by a lot</a:t>
+            </a:r>
+          </a:p>
+          <a:p>
+            <a:endParaRPr lang="en-US" altLang="zh-CN" dirty="0"/>
+          </a:p>
+          <a:p>
+            <a:r>
+              <a:rPr lang="en-US" altLang="zh-CN" dirty="0"/>
+              <a:t>GPU</a:t>
+            </a:r>
+          </a:p>
+          <a:p>
+            <a:pPr lvl="1"/>
+            <a:r>
+              <a:rPr lang="en-US" altLang="zh-CN" dirty="0"/>
+              <a:t>Faster for batch size of 1, but I discovered the GPU doesn’t parallelize by single input, it parallelizes by batch. So Batch size of 10 is roughly 10x faster than 1. Not entirely linear, but batch size of 200 is </a:t>
+            </a:r>
+            <a:endParaRPr lang="zh-CN" altLang="en-US" dirty="0"/>
+          </a:p>
+        </p:txBody>
+      </p:sp>
+    </p:spTree>
+    <p:extLst>
+      <p:ext uri="{BB962C8B-B14F-4D97-AF65-F5344CB8AC3E}">
+        <p14:creationId xmlns:p14="http://schemas.microsoft.com/office/powerpoint/2010/main" val="3082937436"/>
+      </p:ext>
+    </p:extLst>
+  </p:cSld>
+  <p:clrMapOvr>
+    <a:masterClrMapping/>
+  </p:clrMapOvr>
+</p:sld>
+</file>
+
+<file path=ppt/slides/slide14.xml><?xml version="1.0" encoding="utf-8"?>
+<p:sld xmlns:a="http://schemas.openxmlformats.org/drawingml/2006/main" xmlns:r="http://schemas.openxmlformats.org/officeDocument/2006/relationships" xmlns:p="http://schemas.openxmlformats.org/presentationml/2006/main">
+  <p:cSld>
+    <p:spTree>
+      <p:nvGrpSpPr>
+        <p:cNvPr id="1" name=""/>
+        <p:cNvGrpSpPr/>
+        <p:nvPr/>
+      </p:nvGrpSpPr>
+      <p:grpSpPr>
+        <a:xfrm>
+          <a:off x="0" y="0"/>
+          <a:ext cx="0" cy="0"/>
+          <a:chOff x="0" y="0"/>
+          <a:chExt cx="0" cy="0"/>
+        </a:xfrm>
+      </p:grpSpPr>
+      <p:sp>
+        <p:nvSpPr>
+          <p:cNvPr id="2" name="Title 1">
+            <a:extLst>
+              <a:ext uri="{FF2B5EF4-FFF2-40B4-BE49-F238E27FC236}">
                 <a16:creationId xmlns:a16="http://schemas.microsoft.com/office/drawing/2014/main" id="{73D0FEC6-418A-46A1-A20D-7AA11122D7DA}"/>
               </a:ext>
             </a:extLst>
@@ -3630,7 +4161,7 @@
 </p:sld>
 </file>
 
-<file path=ppt/slides/slide12.xml><?xml version="1.0" encoding="utf-8"?>
+<file path=ppt/slides/slide15.xml><?xml version="1.0" encoding="utf-8"?>
 <p:sld xmlns:a="http://schemas.openxmlformats.org/drawingml/2006/main" xmlns:r="http://schemas.openxmlformats.org/officeDocument/2006/relationships" xmlns:p="http://schemas.openxmlformats.org/presentationml/2006/main">
   <p:cSld>
     <p:spTree>
@@ -3865,130 +4396,6 @@
           <p:cNvPr id="2" name="Title 1">
             <a:extLst>
               <a:ext uri="{FF2B5EF4-FFF2-40B4-BE49-F238E27FC236}">
-                <a16:creationId xmlns:a16="http://schemas.microsoft.com/office/drawing/2014/main" id="{AC5BB30C-9A70-4B73-844C-B6B1225EDDEC}"/>
-              </a:ext>
-            </a:extLst>
-          </p:cNvPr>
-          <p:cNvSpPr>
-            <a:spLocks noGrp="1"/>
-          </p:cNvSpPr>
-          <p:nvPr>
-            <p:ph type="title"/>
-          </p:nvPr>
-        </p:nvSpPr>
-        <p:spPr/>
-        <p:txBody>
-          <a:bodyPr/>
-          <a:lstStyle/>
-          <a:p>
-            <a:r>
-              <a:rPr lang="en-US" altLang="zh-CN" dirty="0"/>
-              <a:t>What’s going on, if the gradients calculated are correct, why isn’t it training to perfection!</a:t>
-            </a:r>
-            <a:endParaRPr lang="zh-CN" altLang="en-US" dirty="0"/>
-          </a:p>
-        </p:txBody>
-      </p:sp>
-      <p:sp>
-        <p:nvSpPr>
-          <p:cNvPr id="3" name="Content Placeholder 2">
-            <a:extLst>
-              <a:ext uri="{FF2B5EF4-FFF2-40B4-BE49-F238E27FC236}">
-                <a16:creationId xmlns:a16="http://schemas.microsoft.com/office/drawing/2014/main" id="{1D35D6DF-DB91-444C-AA46-4AF73A13599B}"/>
-              </a:ext>
-            </a:extLst>
-          </p:cNvPr>
-          <p:cNvSpPr>
-            <a:spLocks noGrp="1"/>
-          </p:cNvSpPr>
-          <p:nvPr>
-            <p:ph idx="1"/>
-          </p:nvPr>
-        </p:nvSpPr>
-        <p:spPr/>
-        <p:txBody>
-          <a:bodyPr/>
-          <a:lstStyle/>
-          <a:p>
-            <a:r>
-              <a:rPr lang="en-US" altLang="zh-CN" dirty="0"/>
-              <a:t>This reminded me of a paper I read back in February</a:t>
-            </a:r>
-          </a:p>
-          <a:p>
-            <a:r>
-              <a:rPr lang="en-US" altLang="zh-CN" dirty="0"/>
-              <a:t>The below graph was a part of it, more on this later in the meeting</a:t>
-            </a:r>
-            <a:endParaRPr lang="zh-CN" altLang="en-US" dirty="0"/>
-          </a:p>
-        </p:txBody>
-      </p:sp>
-      <p:pic>
-        <p:nvPicPr>
-          <p:cNvPr id="4" name="Picture 3">
-            <a:extLst>
-              <a:ext uri="{FF2B5EF4-FFF2-40B4-BE49-F238E27FC236}">
-                <a16:creationId xmlns:a16="http://schemas.microsoft.com/office/drawing/2014/main" id="{CD25F32F-021B-4D94-B585-98F74376E3FE}"/>
-              </a:ext>
-            </a:extLst>
-          </p:cNvPr>
-          <p:cNvPicPr>
-            <a:picLocks noChangeAspect="1"/>
-          </p:cNvPicPr>
-          <p:nvPr/>
-        </p:nvPicPr>
-        <p:blipFill>
-          <a:blip r:embed="rId2"/>
-          <a:stretch>
-            <a:fillRect/>
-          </a:stretch>
-        </p:blipFill>
-        <p:spPr>
-          <a:xfrm>
-            <a:off x="1637211" y="2984214"/>
-            <a:ext cx="8917578" cy="3641480"/>
-          </a:xfrm>
-          <a:prstGeom prst="rect">
-            <a:avLst/>
-          </a:prstGeom>
-        </p:spPr>
-      </p:pic>
-    </p:spTree>
-    <p:extLst>
-      <p:ext uri="{BB962C8B-B14F-4D97-AF65-F5344CB8AC3E}">
-        <p14:creationId xmlns:p14="http://schemas.microsoft.com/office/powerpoint/2010/main" val="2428362202"/>
-      </p:ext>
-    </p:extLst>
-  </p:cSld>
-  <p:clrMapOvr>
-    <a:masterClrMapping/>
-  </p:clrMapOvr>
-</p:sld>
-</file>
-
-<file path=ppt/slides/slide4.xml><?xml version="1.0" encoding="utf-8"?>
-<p:sld xmlns:a="http://schemas.openxmlformats.org/drawingml/2006/main" xmlns:r="http://schemas.openxmlformats.org/officeDocument/2006/relationships" xmlns:p="http://schemas.openxmlformats.org/presentationml/2006/main">
-  <p:cSld>
-    <p:spTree>
-      <p:nvGrpSpPr>
-        <p:cNvPr id="1" name=""/>
-        <p:cNvGrpSpPr/>
-        <p:nvPr/>
-      </p:nvGrpSpPr>
-      <p:grpSpPr>
-        <a:xfrm>
-          <a:off x="0" y="0"/>
-          <a:ext cx="0" cy="0"/>
-          <a:chOff x="0" y="0"/>
-          <a:chExt cx="0" cy="0"/>
-        </a:xfrm>
-      </p:grpSpPr>
-      <p:sp>
-        <p:nvSpPr>
-          <p:cNvPr id="2" name="Title 1">
-            <a:extLst>
-              <a:ext uri="{FF2B5EF4-FFF2-40B4-BE49-F238E27FC236}">
                 <a16:creationId xmlns:a16="http://schemas.microsoft.com/office/drawing/2014/main" id="{E4872016-B07D-449D-ACEE-972D28B473EF}"/>
               </a:ext>
             </a:extLst>
@@ -4095,11 +4502,19 @@
             </a:r>
             <a:r>
               <a:rPr lang="en-US" altLang="zh-CN" dirty="0" err="1"/>
+              <a:t>BOOT.bin</a:t>
+            </a:r>
+            <a:r>
+              <a:rPr lang="en-US" altLang="zh-CN" dirty="0"/>
+              <a:t> image with the bitstream and U-Boot that invokes a </a:t>
+            </a:r>
+            <a:r>
+              <a:rPr lang="en-US" altLang="zh-CN" dirty="0" err="1"/>
               <a:t>PetaLinux</a:t>
             </a:r>
             <a:r>
               <a:rPr lang="en-US" altLang="zh-CN" dirty="0"/>
-              <a:t> image with the bitstream. Put the MNIST dataset and a few C programs the SD card.</a:t>
+              <a:t> image. Put the MNIST dataset and a few C programs on the SD card.</a:t>
             </a:r>
           </a:p>
           <a:p>
@@ -4126,7 +4541,7 @@
 </p:sld>
 </file>
 
-<file path=ppt/slides/slide5.xml><?xml version="1.0" encoding="utf-8"?>
+<file path=ppt/slides/slide4.xml><?xml version="1.0" encoding="utf-8"?>
 <p:sld xmlns:a="http://schemas.openxmlformats.org/drawingml/2006/main" xmlns:r="http://schemas.openxmlformats.org/officeDocument/2006/relationships" xmlns:p="http://schemas.openxmlformats.org/presentationml/2006/main">
   <p:cSld>
     <p:spTree>
@@ -4319,7 +4734,7 @@
 </p:sld>
 </file>
 
-<file path=ppt/slides/slide6.xml><?xml version="1.0" encoding="utf-8"?>
+<file path=ppt/slides/slide5.xml><?xml version="1.0" encoding="utf-8"?>
 <p:sld xmlns:a="http://schemas.openxmlformats.org/drawingml/2006/main" xmlns:r="http://schemas.openxmlformats.org/officeDocument/2006/relationships" xmlns:p="http://schemas.openxmlformats.org/presentationml/2006/main">
   <p:cSld>
     <p:spTree>
@@ -4719,7 +5134,7 @@
         <p:spPr>
           <a:xfrm>
             <a:off x="994954" y="1752245"/>
-            <a:ext cx="4807131" cy="369332"/>
+            <a:ext cx="5998029" cy="646331"/>
           </a:xfrm>
           <a:prstGeom prst="rect">
             <a:avLst/>
@@ -4734,7 +5149,7 @@
           <a:p>
             <a:r>
               <a:rPr lang="en-US" altLang="zh-CN" dirty="0"/>
-              <a:t>Pipelined for the 10 output neurons</a:t>
+              <a:t>Pipelined for the 10 output neurons, takes about 50 cycles for the 10</a:t>
             </a:r>
             <a:endParaRPr lang="zh-CN" altLang="en-US" dirty="0"/>
           </a:p>
@@ -5009,7 +5424,7 @@
 </p:sld>
 </file>
 
-<file path=ppt/slides/slide7.xml><?xml version="1.0" encoding="utf-8"?>
+<file path=ppt/slides/slide6.xml><?xml version="1.0" encoding="utf-8"?>
 <p:sld xmlns:a="http://schemas.openxmlformats.org/drawingml/2006/main" xmlns:r="http://schemas.openxmlformats.org/officeDocument/2006/relationships" xmlns:p="http://schemas.openxmlformats.org/presentationml/2006/main">
   <p:cSld>
     <p:spTree>
@@ -5098,6 +5513,345 @@
 </p:sld>
 </file>
 
+<file path=ppt/slides/slide7.xml><?xml version="1.0" encoding="utf-8"?>
+<p:sld xmlns:a="http://schemas.openxmlformats.org/drawingml/2006/main" xmlns:r="http://schemas.openxmlformats.org/officeDocument/2006/relationships" xmlns:p="http://schemas.openxmlformats.org/presentationml/2006/main">
+  <p:cSld>
+    <p:spTree>
+      <p:nvGrpSpPr>
+        <p:cNvPr id="1" name=""/>
+        <p:cNvGrpSpPr/>
+        <p:nvPr/>
+      </p:nvGrpSpPr>
+      <p:grpSpPr>
+        <a:xfrm>
+          <a:off x="0" y="0"/>
+          <a:ext cx="0" cy="0"/>
+          <a:chOff x="0" y="0"/>
+          <a:chExt cx="0" cy="0"/>
+        </a:xfrm>
+      </p:grpSpPr>
+      <p:sp>
+        <p:nvSpPr>
+          <p:cNvPr id="2" name="Title 1">
+            <a:extLst>
+              <a:ext uri="{FF2B5EF4-FFF2-40B4-BE49-F238E27FC236}">
+                <a16:creationId xmlns:a16="http://schemas.microsoft.com/office/drawing/2014/main" id="{B94D60DB-5297-421A-B7AA-1B0D5F39935F}"/>
+              </a:ext>
+            </a:extLst>
+          </p:cNvPr>
+          <p:cNvSpPr>
+            <a:spLocks noGrp="1"/>
+          </p:cNvSpPr>
+          <p:nvPr>
+            <p:ph type="title"/>
+          </p:nvPr>
+        </p:nvSpPr>
+        <p:spPr/>
+        <p:txBody>
+          <a:bodyPr/>
+          <a:lstStyle/>
+          <a:p>
+            <a:r>
+              <a:rPr lang="en-US" altLang="zh-CN" dirty="0"/>
+              <a:t>Verification of </a:t>
+            </a:r>
+            <a:r>
+              <a:rPr lang="en-US" altLang="zh-CN" dirty="0" err="1"/>
+              <a:t>Softmax</a:t>
+            </a:r>
+            <a:endParaRPr lang="zh-CN" altLang="en-US" dirty="0"/>
+          </a:p>
+        </p:txBody>
+      </p:sp>
+      <p:sp>
+        <p:nvSpPr>
+          <p:cNvPr id="3" name="Content Placeholder 2">
+            <a:extLst>
+              <a:ext uri="{FF2B5EF4-FFF2-40B4-BE49-F238E27FC236}">
+                <a16:creationId xmlns:a16="http://schemas.microsoft.com/office/drawing/2014/main" id="{45ACC9C7-C280-428F-AA6B-9D0693A588F9}"/>
+              </a:ext>
+            </a:extLst>
+          </p:cNvPr>
+          <p:cNvSpPr>
+            <a:spLocks noGrp="1"/>
+          </p:cNvSpPr>
+          <p:nvPr>
+            <p:ph idx="1"/>
+          </p:nvPr>
+        </p:nvSpPr>
+        <p:spPr/>
+        <p:txBody>
+          <a:bodyPr/>
+          <a:lstStyle/>
+          <a:p>
+            <a:r>
+              <a:rPr lang="en-US" altLang="zh-CN" dirty="0"/>
+              <a:t>… I found out that </a:t>
+            </a:r>
+            <a:r>
+              <a:rPr lang="en-US" altLang="zh-CN" dirty="0" err="1"/>
+              <a:t>SystemVerilog</a:t>
+            </a:r>
+            <a:r>
+              <a:rPr lang="en-US" altLang="zh-CN" dirty="0"/>
+              <a:t>/Verilog can display floating point, so it’s quite quick to visually verify now. Output from the </a:t>
+            </a:r>
+            <a:r>
+              <a:rPr lang="en-US" altLang="zh-CN" dirty="0" err="1"/>
+              <a:t>softmax</a:t>
+            </a:r>
+            <a:r>
+              <a:rPr lang="en-US" altLang="zh-CN" dirty="0"/>
+              <a:t> layer, and previous neuron gradients vs. Python script</a:t>
+            </a:r>
+            <a:endParaRPr lang="zh-CN" altLang="en-US" dirty="0"/>
+          </a:p>
+        </p:txBody>
+      </p:sp>
+      <p:pic>
+        <p:nvPicPr>
+          <p:cNvPr id="4" name="Picture 3">
+            <a:extLst>
+              <a:ext uri="{FF2B5EF4-FFF2-40B4-BE49-F238E27FC236}">
+                <a16:creationId xmlns:a16="http://schemas.microsoft.com/office/drawing/2014/main" id="{1BFD6468-5DAA-4B2A-A1F7-8BEF0C7499E0}"/>
+              </a:ext>
+            </a:extLst>
+          </p:cNvPr>
+          <p:cNvPicPr>
+            <a:picLocks noChangeAspect="1"/>
+          </p:cNvPicPr>
+          <p:nvPr/>
+        </p:nvPicPr>
+        <p:blipFill>
+          <a:blip r:embed="rId2"/>
+          <a:stretch>
+            <a:fillRect/>
+          </a:stretch>
+        </p:blipFill>
+        <p:spPr>
+          <a:xfrm>
+            <a:off x="698591" y="3908652"/>
+            <a:ext cx="2190750" cy="2486025"/>
+          </a:xfrm>
+          <a:prstGeom prst="rect">
+            <a:avLst/>
+          </a:prstGeom>
+        </p:spPr>
+      </p:pic>
+      <p:pic>
+        <p:nvPicPr>
+          <p:cNvPr id="5" name="Picture 4">
+            <a:extLst>
+              <a:ext uri="{FF2B5EF4-FFF2-40B4-BE49-F238E27FC236}">
+                <a16:creationId xmlns:a16="http://schemas.microsoft.com/office/drawing/2014/main" id="{5890CC6F-CA4C-44C8-BDA9-30B6ECB2F6C5}"/>
+              </a:ext>
+            </a:extLst>
+          </p:cNvPr>
+          <p:cNvPicPr>
+            <a:picLocks noChangeAspect="1"/>
+          </p:cNvPicPr>
+          <p:nvPr/>
+        </p:nvPicPr>
+        <p:blipFill>
+          <a:blip r:embed="rId3"/>
+          <a:stretch>
+            <a:fillRect/>
+          </a:stretch>
+        </p:blipFill>
+        <p:spPr>
+          <a:xfrm>
+            <a:off x="2965404" y="4219008"/>
+            <a:ext cx="2638425" cy="2133600"/>
+          </a:xfrm>
+          <a:prstGeom prst="rect">
+            <a:avLst/>
+          </a:prstGeom>
+        </p:spPr>
+      </p:pic>
+      <p:sp>
+        <p:nvSpPr>
+          <p:cNvPr id="6" name="TextBox 5">
+            <a:extLst>
+              <a:ext uri="{FF2B5EF4-FFF2-40B4-BE49-F238E27FC236}">
+                <a16:creationId xmlns:a16="http://schemas.microsoft.com/office/drawing/2014/main" id="{79A08514-6D6F-45B6-BF20-BC6367D1301E}"/>
+              </a:ext>
+            </a:extLst>
+          </p:cNvPr>
+          <p:cNvSpPr txBox="1"/>
+          <p:nvPr/>
+        </p:nvSpPr>
+        <p:spPr>
+          <a:xfrm>
+            <a:off x="3042015" y="3782208"/>
+            <a:ext cx="2190750" cy="369332"/>
+          </a:xfrm>
+          <a:prstGeom prst="rect">
+            <a:avLst/>
+          </a:prstGeom>
+          <a:noFill/>
+        </p:spPr>
+        <p:txBody>
+          <a:bodyPr wrap="square" rtlCol="0">
+            <a:spAutoFit/>
+          </a:bodyPr>
+          <a:lstStyle/>
+          <a:p>
+            <a:pPr algn="ctr"/>
+            <a:r>
+              <a:rPr lang="en-US" altLang="zh-CN" dirty="0"/>
+              <a:t>Python</a:t>
+            </a:r>
+            <a:endParaRPr lang="zh-CN" altLang="en-US" dirty="0"/>
+          </a:p>
+        </p:txBody>
+      </p:sp>
+      <p:sp>
+        <p:nvSpPr>
+          <p:cNvPr id="7" name="TextBox 6">
+            <a:extLst>
+              <a:ext uri="{FF2B5EF4-FFF2-40B4-BE49-F238E27FC236}">
+                <a16:creationId xmlns:a16="http://schemas.microsoft.com/office/drawing/2014/main" id="{BBAC0709-715C-4716-866D-9E9288B47647}"/>
+              </a:ext>
+            </a:extLst>
+          </p:cNvPr>
+          <p:cNvSpPr txBox="1"/>
+          <p:nvPr/>
+        </p:nvSpPr>
+        <p:spPr>
+          <a:xfrm>
+            <a:off x="698591" y="3502309"/>
+            <a:ext cx="2190750" cy="369332"/>
+          </a:xfrm>
+          <a:prstGeom prst="rect">
+            <a:avLst/>
+          </a:prstGeom>
+          <a:noFill/>
+        </p:spPr>
+        <p:txBody>
+          <a:bodyPr wrap="square" rtlCol="0">
+            <a:spAutoFit/>
+          </a:bodyPr>
+          <a:lstStyle/>
+          <a:p>
+            <a:pPr algn="ctr"/>
+            <a:r>
+              <a:rPr lang="en-US" altLang="zh-CN" dirty="0"/>
+              <a:t>FPGA</a:t>
+            </a:r>
+            <a:endParaRPr lang="zh-CN" altLang="en-US" dirty="0"/>
+          </a:p>
+        </p:txBody>
+      </p:sp>
+      <p:pic>
+        <p:nvPicPr>
+          <p:cNvPr id="8" name="Picture 7">
+            <a:extLst>
+              <a:ext uri="{FF2B5EF4-FFF2-40B4-BE49-F238E27FC236}">
+                <a16:creationId xmlns:a16="http://schemas.microsoft.com/office/drawing/2014/main" id="{5FBABCA5-77E1-4694-84D3-C56EC7423C54}"/>
+              </a:ext>
+            </a:extLst>
+          </p:cNvPr>
+          <p:cNvPicPr>
+            <a:picLocks noChangeAspect="1"/>
+          </p:cNvPicPr>
+          <p:nvPr/>
+        </p:nvPicPr>
+        <p:blipFill>
+          <a:blip r:embed="rId4"/>
+          <a:stretch>
+            <a:fillRect/>
+          </a:stretch>
+        </p:blipFill>
+        <p:spPr>
+          <a:xfrm>
+            <a:off x="9422606" y="3109912"/>
+            <a:ext cx="2600325" cy="3648075"/>
+          </a:xfrm>
+          <a:prstGeom prst="rect">
+            <a:avLst/>
+          </a:prstGeom>
+        </p:spPr>
+      </p:pic>
+      <p:sp>
+        <p:nvSpPr>
+          <p:cNvPr id="9" name="TextBox 8">
+            <a:extLst>
+              <a:ext uri="{FF2B5EF4-FFF2-40B4-BE49-F238E27FC236}">
+                <a16:creationId xmlns:a16="http://schemas.microsoft.com/office/drawing/2014/main" id="{DFDE3C8B-3D1C-4BBF-AAC1-500CF97177B9}"/>
+              </a:ext>
+            </a:extLst>
+          </p:cNvPr>
+          <p:cNvSpPr txBox="1"/>
+          <p:nvPr/>
+        </p:nvSpPr>
+        <p:spPr>
+          <a:xfrm>
+            <a:off x="9627393" y="2721667"/>
+            <a:ext cx="2190750" cy="369332"/>
+          </a:xfrm>
+          <a:prstGeom prst="rect">
+            <a:avLst/>
+          </a:prstGeom>
+          <a:noFill/>
+        </p:spPr>
+        <p:txBody>
+          <a:bodyPr wrap="square" rtlCol="0">
+            <a:spAutoFit/>
+          </a:bodyPr>
+          <a:lstStyle/>
+          <a:p>
+            <a:pPr algn="ctr"/>
+            <a:r>
+              <a:rPr lang="en-US" altLang="zh-CN" dirty="0"/>
+              <a:t>Python</a:t>
+            </a:r>
+            <a:endParaRPr lang="zh-CN" altLang="en-US" dirty="0"/>
+          </a:p>
+        </p:txBody>
+      </p:sp>
+      <p:pic>
+        <p:nvPicPr>
+          <p:cNvPr id="10" name="Picture 9">
+            <a:extLst>
+              <a:ext uri="{FF2B5EF4-FFF2-40B4-BE49-F238E27FC236}">
+                <a16:creationId xmlns:a16="http://schemas.microsoft.com/office/drawing/2014/main" id="{84936BC3-32C7-45B9-837C-63D8881266E7}"/>
+              </a:ext>
+            </a:extLst>
+          </p:cNvPr>
+          <p:cNvPicPr>
+            <a:picLocks noChangeAspect="1"/>
+          </p:cNvPicPr>
+          <p:nvPr/>
+        </p:nvPicPr>
+        <p:blipFill>
+          <a:blip r:embed="rId5"/>
+          <a:stretch>
+            <a:fillRect/>
+          </a:stretch>
+        </p:blipFill>
+        <p:spPr>
+          <a:xfrm>
+            <a:off x="7009652" y="3127602"/>
+            <a:ext cx="2343150" cy="3676650"/>
+          </a:xfrm>
+          <a:prstGeom prst="rect">
+            <a:avLst/>
+          </a:prstGeom>
+        </p:spPr>
+      </p:pic>
+    </p:spTree>
+    <p:extLst>
+      <p:ext uri="{BB962C8B-B14F-4D97-AF65-F5344CB8AC3E}">
+        <p14:creationId xmlns:p14="http://schemas.microsoft.com/office/powerpoint/2010/main" val="3374730801"/>
+      </p:ext>
+    </p:extLst>
+  </p:cSld>
+  <p:clrMapOvr>
+    <a:masterClrMapping/>
+  </p:clrMapOvr>
+</p:sld>
+</file>
+
 <file path=ppt/slides/slide8.xml><?xml version="1.0" encoding="utf-8"?>
 <p:sld xmlns:a="http://schemas.openxmlformats.org/drawingml/2006/main" xmlns:r="http://schemas.openxmlformats.org/officeDocument/2006/relationships" xmlns:p="http://schemas.openxmlformats.org/presentationml/2006/main">
   <p:cSld>
@@ -5120,7 +5874,7 @@
           <p:cNvPr id="2" name="Title 1">
             <a:extLst>
               <a:ext uri="{FF2B5EF4-FFF2-40B4-BE49-F238E27FC236}">
-                <a16:creationId xmlns:a16="http://schemas.microsoft.com/office/drawing/2014/main" id="{B94D60DB-5297-421A-B7AA-1B0D5F39935F}"/>
+                <a16:creationId xmlns:a16="http://schemas.microsoft.com/office/drawing/2014/main" id="{80E246C4-41EA-4FC0-A2BB-F1657234D490}"/>
               </a:ext>
             </a:extLst>
           </p:cNvPr>
@@ -5133,16 +5887,22 @@
         </p:nvSpPr>
         <p:spPr/>
         <p:txBody>
-          <a:bodyPr/>
-          <a:lstStyle/>
-          <a:p>
-            <a:r>
-              <a:rPr lang="en-US" altLang="zh-CN" dirty="0"/>
-              <a:t>Verification of </a:t>
+          <a:bodyPr>
+            <a:normAutofit/>
+          </a:bodyPr>
+          <a:lstStyle/>
+          <a:p>
+            <a:r>
+              <a:rPr lang="en-US" altLang="zh-CN" dirty="0"/>
+              <a:t>So, </a:t>
             </a:r>
             <a:r>
               <a:rPr lang="en-US" altLang="zh-CN" dirty="0" err="1"/>
-              <a:t>Softmax</a:t>
+              <a:t>softmax</a:t>
+            </a:r>
+            <a:r>
+              <a:rPr lang="en-US" altLang="zh-CN" dirty="0"/>
+              <a:t> seems to be verified. Training still off, why? Could the Python script be wrong? </a:t>
             </a:r>
             <a:endParaRPr lang="zh-CN" altLang="en-US" dirty="0"/>
           </a:p>
@@ -5153,7 +5913,7 @@
           <p:cNvPr id="3" name="Content Placeholder 2">
             <a:extLst>
               <a:ext uri="{FF2B5EF4-FFF2-40B4-BE49-F238E27FC236}">
-                <a16:creationId xmlns:a16="http://schemas.microsoft.com/office/drawing/2014/main" id="{45ACC9C7-C280-428F-AA6B-9D0693A588F9}"/>
+                <a16:creationId xmlns:a16="http://schemas.microsoft.com/office/drawing/2014/main" id="{B6F3D5F1-EAB1-4A89-9FD6-611F314EA4C5}"/>
               </a:ext>
             </a:extLst>
           </p:cNvPr>
@@ -5171,24 +5931,51 @@
           <a:p>
             <a:r>
               <a:rPr lang="en-US" altLang="zh-CN" dirty="0"/>
-              <a:t>… I found out that </a:t>
-            </a:r>
-            <a:r>
-              <a:rPr lang="en-US" altLang="zh-CN" dirty="0" err="1"/>
-              <a:t>SystemVerilog</a:t>
-            </a:r>
-            <a:r>
-              <a:rPr lang="en-US" altLang="zh-CN" dirty="0"/>
-              <a:t>/Verilog can print out floating point, so it’s quite quick to visually verify now.</a:t>
-            </a:r>
+              <a:t>Wrote gradient check testing in the python script to verify that the script was indeed correct. So the calculated gradients are correct.</a:t>
+            </a:r>
+          </a:p>
+          <a:p>
+            <a:pPr marL="457200" lvl="1" indent="0">
+              <a:buNone/>
+            </a:pPr>
             <a:endParaRPr lang="zh-CN" altLang="en-US" dirty="0"/>
           </a:p>
         </p:txBody>
       </p:sp>
+      <p:pic>
+        <p:nvPicPr>
+          <p:cNvPr id="4" name="Picture 3">
+            <a:extLst>
+              <a:ext uri="{FF2B5EF4-FFF2-40B4-BE49-F238E27FC236}">
+                <a16:creationId xmlns:a16="http://schemas.microsoft.com/office/drawing/2014/main" id="{7F2894E4-E358-4FA2-97BB-ECE99ED5EB4C}"/>
+              </a:ext>
+            </a:extLst>
+          </p:cNvPr>
+          <p:cNvPicPr>
+            <a:picLocks noChangeAspect="1"/>
+          </p:cNvPicPr>
+          <p:nvPr/>
+        </p:nvPicPr>
+        <p:blipFill>
+          <a:blip r:embed="rId2"/>
+          <a:stretch>
+            <a:fillRect/>
+          </a:stretch>
+        </p:blipFill>
+        <p:spPr>
+          <a:xfrm>
+            <a:off x="1000125" y="2716606"/>
+            <a:ext cx="10191750" cy="4057650"/>
+          </a:xfrm>
+          <a:prstGeom prst="rect">
+            <a:avLst/>
+          </a:prstGeom>
+        </p:spPr>
+      </p:pic>
     </p:spTree>
     <p:extLst>
       <p:ext uri="{BB962C8B-B14F-4D97-AF65-F5344CB8AC3E}">
-        <p14:creationId xmlns:p14="http://schemas.microsoft.com/office/powerpoint/2010/main" val="3374730801"/>
+        <p14:creationId xmlns:p14="http://schemas.microsoft.com/office/powerpoint/2010/main" val="2653806390"/>
       </p:ext>
     </p:extLst>
   </p:cSld>
@@ -5220,7 +6007,7 @@
           <p:cNvPr id="2" name="Title 1">
             <a:extLst>
               <a:ext uri="{FF2B5EF4-FFF2-40B4-BE49-F238E27FC236}">
-                <a16:creationId xmlns:a16="http://schemas.microsoft.com/office/drawing/2014/main" id="{BF37AF50-E874-40DC-8C2E-B5BD19F2DAF9}"/>
+                <a16:creationId xmlns:a16="http://schemas.microsoft.com/office/drawing/2014/main" id="{AC5BB30C-9A70-4B73-844C-B6B1225EDDEC}"/>
               </a:ext>
             </a:extLst>
           </p:cNvPr>
@@ -5238,7 +6025,7 @@
           <a:p>
             <a:r>
               <a:rPr lang="en-US" altLang="zh-CN" dirty="0"/>
-              <a:t>FPGA Clock Frequency </a:t>
+              <a:t>What’s going on, if the gradients calculated are correct, why isn’t it training to perfection!</a:t>
             </a:r>
             <a:endParaRPr lang="zh-CN" altLang="en-US" dirty="0"/>
           </a:p>
@@ -5249,7 +6036,7 @@
           <p:cNvPr id="3" name="Content Placeholder 2">
             <a:extLst>
               <a:ext uri="{FF2B5EF4-FFF2-40B4-BE49-F238E27FC236}">
-                <a16:creationId xmlns:a16="http://schemas.microsoft.com/office/drawing/2014/main" id="{969D5339-C071-4981-86DC-2791BA061D27}"/>
+                <a16:creationId xmlns:a16="http://schemas.microsoft.com/office/drawing/2014/main" id="{1D35D6DF-DB91-444C-AA46-4AF73A13599B}"/>
               </a:ext>
             </a:extLst>
           </p:cNvPr>
@@ -5260,46 +6047,20 @@
             <p:ph idx="1"/>
           </p:nvPr>
         </p:nvSpPr>
-        <p:spPr>
-          <a:xfrm>
-            <a:off x="838200" y="1825625"/>
-            <a:ext cx="4752703" cy="4351338"/>
-          </a:xfrm>
-        </p:spPr>
-        <p:txBody>
-          <a:bodyPr>
-            <a:normAutofit fontScale="85000" lnSpcReduction="10000"/>
-          </a:bodyPr>
-          <a:lstStyle/>
-          <a:p>
-            <a:r>
-              <a:rPr lang="en-US" altLang="zh-CN" dirty="0"/>
-              <a:t>FPGA being at 50 MHz, should I try to get it back to 100 MHz?</a:t>
-            </a:r>
-          </a:p>
-          <a:p>
-            <a:pPr lvl="1"/>
-            <a:r>
-              <a:rPr lang="en-US" altLang="zh-CN" dirty="0"/>
-              <a:t>No, DDR transmission is the bottle neck, as observed by the active cycle percentage</a:t>
-            </a:r>
-          </a:p>
-          <a:p>
-            <a:endParaRPr lang="en-US" altLang="zh-CN" dirty="0"/>
-          </a:p>
-          <a:p>
-            <a:r>
-              <a:rPr lang="en-US" altLang="zh-CN" dirty="0"/>
-              <a:t>Also, active cycle percentage is ~2x for training compared to inference. </a:t>
-            </a:r>
-          </a:p>
-          <a:p>
-            <a:endParaRPr lang="en-US" altLang="zh-CN" dirty="0"/>
-          </a:p>
-          <a:p>
-            <a:r>
-              <a:rPr lang="en-US" altLang="zh-CN" dirty="0"/>
-              <a:t>This is because training is ~2x more cycles, so roughly ~2x more time to load the next image</a:t>
+        <p:spPr/>
+        <p:txBody>
+          <a:bodyPr/>
+          <a:lstStyle/>
+          <a:p>
+            <a:r>
+              <a:rPr lang="en-US" altLang="zh-CN" dirty="0"/>
+              <a:t>This reminded me of a paper I read back in February</a:t>
+            </a:r>
+          </a:p>
+          <a:p>
+            <a:r>
+              <a:rPr lang="en-US" altLang="zh-CN" dirty="0"/>
+              <a:t>The below graph was a part of it</a:t>
             </a:r>
             <a:endParaRPr lang="zh-CN" altLang="en-US" dirty="0"/>
           </a:p>
@@ -5307,10 +6068,10 @@
       </p:sp>
       <p:pic>
         <p:nvPicPr>
-          <p:cNvPr id="5" name="Picture 4">
-            <a:extLst>
-              <a:ext uri="{FF2B5EF4-FFF2-40B4-BE49-F238E27FC236}">
-                <a16:creationId xmlns:a16="http://schemas.microsoft.com/office/drawing/2014/main" id="{B34FB606-80DF-4D43-BCA9-CDACCDE5F8A9}"/>
+          <p:cNvPr id="4" name="Picture 3">
+            <a:extLst>
+              <a:ext uri="{FF2B5EF4-FFF2-40B4-BE49-F238E27FC236}">
+                <a16:creationId xmlns:a16="http://schemas.microsoft.com/office/drawing/2014/main" id="{CD25F32F-021B-4D94-B585-98F74376E3FE}"/>
               </a:ext>
             </a:extLst>
           </p:cNvPr>
@@ -5327,122 +6088,18 @@
         </p:blipFill>
         <p:spPr>
           <a:xfrm>
-            <a:off x="5972719" y="2229139"/>
-            <a:ext cx="5924550" cy="1371600"/>
+            <a:off x="1637211" y="2984214"/>
+            <a:ext cx="8917578" cy="3641480"/>
           </a:xfrm>
           <a:prstGeom prst="rect">
             <a:avLst/>
           </a:prstGeom>
         </p:spPr>
       </p:pic>
-      <p:pic>
-        <p:nvPicPr>
-          <p:cNvPr id="6" name="Picture 5">
-            <a:extLst>
-              <a:ext uri="{FF2B5EF4-FFF2-40B4-BE49-F238E27FC236}">
-                <a16:creationId xmlns:a16="http://schemas.microsoft.com/office/drawing/2014/main" id="{17E6619A-9124-4248-BA64-A4441D83A2D0}"/>
-              </a:ext>
-            </a:extLst>
-          </p:cNvPr>
-          <p:cNvPicPr>
-            <a:picLocks noChangeAspect="1"/>
-          </p:cNvPicPr>
-          <p:nvPr/>
-        </p:nvPicPr>
-        <p:blipFill>
-          <a:blip r:embed="rId3"/>
-          <a:stretch>
-            <a:fillRect/>
-          </a:stretch>
-        </p:blipFill>
-        <p:spPr>
-          <a:xfrm>
-            <a:off x="5972719" y="4835525"/>
-            <a:ext cx="6191250" cy="1657350"/>
-          </a:xfrm>
-          <a:prstGeom prst="rect">
-            <a:avLst/>
-          </a:prstGeom>
-        </p:spPr>
-      </p:pic>
-      <p:sp>
-        <p:nvSpPr>
-          <p:cNvPr id="7" name="TextBox 6">
-            <a:extLst>
-              <a:ext uri="{FF2B5EF4-FFF2-40B4-BE49-F238E27FC236}">
-                <a16:creationId xmlns:a16="http://schemas.microsoft.com/office/drawing/2014/main" id="{AA87A864-8538-452C-8202-12148CE0BC25}"/>
-              </a:ext>
-            </a:extLst>
-          </p:cNvPr>
-          <p:cNvSpPr txBox="1"/>
-          <p:nvPr/>
-        </p:nvSpPr>
-        <p:spPr>
-          <a:xfrm>
-            <a:off x="7058297" y="1859807"/>
-            <a:ext cx="3753394" cy="369332"/>
-          </a:xfrm>
-          <a:prstGeom prst="rect">
-            <a:avLst/>
-          </a:prstGeom>
-          <a:noFill/>
-        </p:spPr>
-        <p:txBody>
-          <a:bodyPr wrap="square" rtlCol="0">
-            <a:spAutoFit/>
-          </a:bodyPr>
-          <a:lstStyle/>
-          <a:p>
-            <a:pPr algn="ctr"/>
-            <a:r>
-              <a:rPr lang="en-US" altLang="zh-CN" dirty="0"/>
-              <a:t>Inference</a:t>
-            </a:r>
-            <a:endParaRPr lang="zh-CN" altLang="en-US" dirty="0"/>
-          </a:p>
-        </p:txBody>
-      </p:sp>
-      <p:sp>
-        <p:nvSpPr>
-          <p:cNvPr id="10" name="TextBox 9">
-            <a:extLst>
-              <a:ext uri="{FF2B5EF4-FFF2-40B4-BE49-F238E27FC236}">
-                <a16:creationId xmlns:a16="http://schemas.microsoft.com/office/drawing/2014/main" id="{4608F01D-3D8C-4EDE-9C3C-920F230CEECF}"/>
-              </a:ext>
-            </a:extLst>
-          </p:cNvPr>
-          <p:cNvSpPr txBox="1"/>
-          <p:nvPr/>
-        </p:nvSpPr>
-        <p:spPr>
-          <a:xfrm>
-            <a:off x="7058297" y="4508523"/>
-            <a:ext cx="3753394" cy="369332"/>
-          </a:xfrm>
-          <a:prstGeom prst="rect">
-            <a:avLst/>
-          </a:prstGeom>
-          <a:noFill/>
-        </p:spPr>
-        <p:txBody>
-          <a:bodyPr wrap="square" rtlCol="0">
-            <a:spAutoFit/>
-          </a:bodyPr>
-          <a:lstStyle/>
-          <a:p>
-            <a:pPr algn="ctr"/>
-            <a:r>
-              <a:rPr lang="en-US" altLang="zh-CN" dirty="0"/>
-              <a:t>Training</a:t>
-            </a:r>
-            <a:endParaRPr lang="zh-CN" altLang="en-US" dirty="0"/>
-          </a:p>
-        </p:txBody>
-      </p:sp>
     </p:spTree>
     <p:extLst>
       <p:ext uri="{BB962C8B-B14F-4D97-AF65-F5344CB8AC3E}">
-        <p14:creationId xmlns:p14="http://schemas.microsoft.com/office/powerpoint/2010/main" val="707172514"/>
+        <p14:creationId xmlns:p14="http://schemas.microsoft.com/office/powerpoint/2010/main" val="1303812162"/>
       </p:ext>
     </p:extLst>
   </p:cSld>

--- a/WeeklyPresentations/update12_06_13.pptx
+++ b/WeeklyPresentations/update12_06_13.pptx
@@ -18,8 +18,18 @@
     <p:sldId id="272" r:id="rId12"/>
     <p:sldId id="267" r:id="rId13"/>
     <p:sldId id="265" r:id="rId14"/>
-    <p:sldId id="268" r:id="rId15"/>
-    <p:sldId id="258" r:id="rId16"/>
+    <p:sldId id="273" r:id="rId15"/>
+    <p:sldId id="282" r:id="rId16"/>
+    <p:sldId id="274" r:id="rId17"/>
+    <p:sldId id="278" r:id="rId18"/>
+    <p:sldId id="279" r:id="rId19"/>
+    <p:sldId id="280" r:id="rId20"/>
+    <p:sldId id="277" r:id="rId21"/>
+    <p:sldId id="275" r:id="rId22"/>
+    <p:sldId id="276" r:id="rId23"/>
+    <p:sldId id="268" r:id="rId24"/>
+    <p:sldId id="281" r:id="rId25"/>
+    <p:sldId id="258" r:id="rId26"/>
   </p:sldIdLst>
   <p:sldSz cx="12192000" cy="6858000"/>
   <p:notesSz cx="6858000" cy="9144000"/>
@@ -3536,13 +3546,8 @@
             <a:pPr lvl="1"/>
             <a:r>
               <a:rPr lang="en-US" altLang="zh-CN" dirty="0"/>
-              <a:t>When updated, these are multiplied by 0.001, or shifted to the right by 10. Only 3 fractional bits remaining, so gradients effectively truncated at </a:t>
-            </a:r>
-            <a:r>
-              <a:rPr lang="en-US" altLang="zh-CN"/>
-              <a:t>0.125 steps.</a:t>
-            </a:r>
-            <a:endParaRPr lang="en-US" altLang="zh-CN" dirty="0"/>
+              <a:t>When updated, these are multiplied by 0.001, or shifted to the right by 10. Only 3 fractional bits remaining, so gradients effectively truncated at 0.125 steps.</a:t>
+            </a:r>
           </a:p>
           <a:p>
             <a:pPr lvl="1"/>
@@ -3667,7 +3672,7 @@
           <a:p>
             <a:r>
               <a:rPr lang="en-US" altLang="zh-CN" dirty="0"/>
-              <a:t>Solution: More Precision Needed</a:t>
+              <a:t>Solution: More Precision Needed if Training is to be Supported</a:t>
             </a:r>
             <a:endParaRPr lang="zh-CN" altLang="en-US" dirty="0"/>
           </a:p>
@@ -3696,7 +3701,33 @@
           <a:p>
             <a:r>
               <a:rPr lang="en-US" altLang="zh-CN" dirty="0"/>
-              <a:t>Will try 24-bit and 32-bit solutions to see if training can be successfully implemented in such a scheme</a:t>
+              <a:t>Will try 24-bit and 32-bit solutions to see if the precision is good enough for training. </a:t>
+            </a:r>
+          </a:p>
+          <a:p>
+            <a:endParaRPr lang="en-US" altLang="zh-CN" dirty="0"/>
+          </a:p>
+          <a:p>
+            <a:r>
+              <a:rPr lang="en-US" altLang="zh-CN" dirty="0"/>
+              <a:t>Most important part is that the negative gradients multiplied by around 0.001 will not disappear</a:t>
+            </a:r>
+          </a:p>
+          <a:p>
+            <a:endParaRPr lang="en-US" altLang="zh-CN" dirty="0"/>
+          </a:p>
+          <a:p>
+            <a:r>
+              <a:rPr lang="en-US" altLang="zh-CN" dirty="0"/>
+              <a:t>Probably prioritize writing the design and testing section of report for now though, since this is more of a result section </a:t>
+            </a:r>
+            <a:r>
+              <a:rPr lang="en-US" altLang="zh-CN" dirty="0" err="1"/>
+              <a:t>asepct</a:t>
+            </a:r>
+            <a:r>
+              <a:rPr lang="en-US" altLang="zh-CN" dirty="0"/>
+              <a:t>.</a:t>
             </a:r>
             <a:endParaRPr lang="zh-CN" altLang="en-US" dirty="0"/>
           </a:p>
@@ -3844,7 +3875,7 @@
         </p:blipFill>
         <p:spPr>
           <a:xfrm>
-            <a:off x="5972719" y="2229139"/>
+            <a:off x="5972719" y="2838739"/>
             <a:ext cx="5924550" cy="1371600"/>
           </a:xfrm>
           <a:prstGeom prst="rect">
@@ -3896,7 +3927,7 @@
         </p:nvSpPr>
         <p:spPr>
           <a:xfrm>
-            <a:off x="7058297" y="1859807"/>
+            <a:off x="7058297" y="2469407"/>
             <a:ext cx="3753394" cy="369332"/>
           </a:xfrm>
           <a:prstGeom prst="rect">
@@ -3951,6 +3982,73 @@
             <a:r>
               <a:rPr lang="en-US" altLang="zh-CN" dirty="0"/>
               <a:t>Training</a:t>
+            </a:r>
+            <a:endParaRPr lang="zh-CN" altLang="en-US" dirty="0"/>
+          </a:p>
+        </p:txBody>
+      </p:sp>
+      <p:pic>
+        <p:nvPicPr>
+          <p:cNvPr id="4" name="Picture 3">
+            <a:extLst>
+              <a:ext uri="{FF2B5EF4-FFF2-40B4-BE49-F238E27FC236}">
+                <a16:creationId xmlns:a16="http://schemas.microsoft.com/office/drawing/2014/main" id="{FF006416-1F43-4E92-BAC4-1DE7DC79DF37}"/>
+              </a:ext>
+            </a:extLst>
+          </p:cNvPr>
+          <p:cNvPicPr>
+            <a:picLocks noChangeAspect="1"/>
+          </p:cNvPicPr>
+          <p:nvPr/>
+        </p:nvPicPr>
+        <p:blipFill>
+          <a:blip r:embed="rId4"/>
+          <a:stretch>
+            <a:fillRect/>
+          </a:stretch>
+        </p:blipFill>
+        <p:spPr>
+          <a:xfrm>
+            <a:off x="7606665" y="757238"/>
+            <a:ext cx="2495550" cy="1619250"/>
+          </a:xfrm>
+          <a:prstGeom prst="rect">
+            <a:avLst/>
+          </a:prstGeom>
+        </p:spPr>
+      </p:pic>
+      <p:sp>
+        <p:nvSpPr>
+          <p:cNvPr id="11" name="TextBox 10">
+            <a:extLst>
+              <a:ext uri="{FF2B5EF4-FFF2-40B4-BE49-F238E27FC236}">
+                <a16:creationId xmlns:a16="http://schemas.microsoft.com/office/drawing/2014/main" id="{754685B4-CD72-4CE2-A8DF-3FBB5C813FB5}"/>
+              </a:ext>
+            </a:extLst>
+          </p:cNvPr>
+          <p:cNvSpPr txBox="1"/>
+          <p:nvPr/>
+        </p:nvSpPr>
+        <p:spPr>
+          <a:xfrm>
+            <a:off x="6921137" y="423480"/>
+            <a:ext cx="3753394" cy="369332"/>
+          </a:xfrm>
+          <a:prstGeom prst="rect">
+            <a:avLst/>
+          </a:prstGeom>
+          <a:noFill/>
+        </p:spPr>
+        <p:txBody>
+          <a:bodyPr wrap="square" rtlCol="0">
+            <a:spAutoFit/>
+          </a:bodyPr>
+          <a:lstStyle/>
+          <a:p>
+            <a:pPr algn="ctr"/>
+            <a:r>
+              <a:rPr lang="en-US" altLang="zh-CN" dirty="0"/>
+              <a:t>50 MHz timing met</a:t>
             </a:r>
             <a:endParaRPr lang="zh-CN" altLang="en-US" dirty="0"/>
           </a:p>
@@ -4031,14 +4129,19 @@
             <p:ph idx="1"/>
           </p:nvPr>
         </p:nvSpPr>
-        <p:spPr/>
-        <p:txBody>
-          <a:bodyPr/>
-          <a:lstStyle/>
-          <a:p>
-            <a:r>
-              <a:rPr lang="en-US" altLang="zh-CN" dirty="0"/>
-              <a:t>Faster than CPU by a lot</a:t>
+        <p:spPr>
+          <a:xfrm>
+            <a:off x="838199" y="1825625"/>
+            <a:ext cx="10752909" cy="4351338"/>
+          </a:xfrm>
+        </p:spPr>
+        <p:txBody>
+          <a:bodyPr/>
+          <a:lstStyle/>
+          <a:p>
+            <a:r>
+              <a:rPr lang="en-US" altLang="zh-CN" dirty="0"/>
+              <a:t>Faster than CPU by a lot, on both inference and training</a:t>
             </a:r>
           </a:p>
           <a:p>
@@ -4054,7 +4157,29 @@
             <a:pPr lvl="1"/>
             <a:r>
               <a:rPr lang="en-US" altLang="zh-CN" dirty="0"/>
-              <a:t>Faster for batch size of 1, but I discovered the GPU doesn’t parallelize by single input, it parallelizes by batch. So Batch size of 10 is roughly 10x faster than 1. Not entirely linear, but batch size of 200 is </a:t>
+              <a:t>Faster for batch size of 1, but I discovered the </a:t>
+            </a:r>
+            <a:r>
+              <a:rPr lang="en-US" altLang="zh-CN" dirty="0" err="1"/>
+              <a:t>PyTorch</a:t>
+            </a:r>
+            <a:r>
+              <a:rPr lang="en-US" altLang="zh-CN" dirty="0"/>
+              <a:t> framework GPU training uses a coarser-level of parallelism. It doesn’t parallelize the computation of a single input, but instead parallelizes the input samples in a batch. I.E input 1 to a core, input 2 to another core, and so on</a:t>
+            </a:r>
+          </a:p>
+          <a:p>
+            <a:pPr lvl="1"/>
+            <a:r>
+              <a:rPr lang="en-US" altLang="zh-CN" dirty="0"/>
+              <a:t>Therefore it’s unfair to compare against GPU batch size of 1, since it doesn’t parallelize at that level</a:t>
+            </a:r>
+          </a:p>
+          <a:p>
+            <a:pPr lvl="1"/>
+            <a:r>
+              <a:rPr lang="en-US" altLang="zh-CN" dirty="0"/>
+              <a:t>Example timing for batch size of 5 and 200 shown below (though this means it performs (batch size - 1 fewer updates than my batch size = 1 model)</a:t>
             </a:r>
             <a:endParaRPr lang="zh-CN" altLang="en-US" dirty="0"/>
           </a:p>
@@ -4095,7 +4220,7 @@
           <p:cNvPr id="2" name="Title 1">
             <a:extLst>
               <a:ext uri="{FF2B5EF4-FFF2-40B4-BE49-F238E27FC236}">
-                <a16:creationId xmlns:a16="http://schemas.microsoft.com/office/drawing/2014/main" id="{73D0FEC6-418A-46A1-A20D-7AA11122D7DA}"/>
+                <a16:creationId xmlns:a16="http://schemas.microsoft.com/office/drawing/2014/main" id="{3DACD0B6-EEA4-4A46-9C8E-A0B59819542B}"/>
               </a:ext>
             </a:extLst>
           </p:cNvPr>
@@ -4113,7 +4238,11 @@
           <a:p>
             <a:r>
               <a:rPr lang="en-US" altLang="zh-CN" dirty="0"/>
-              <a:t>Results</a:t>
+              <a:t>Timing</a:t>
+            </a:r>
+            <a:r>
+              <a:rPr lang="da-DK" altLang="zh-CN" dirty="0"/>
+              <a:t>/Results</a:t>
             </a:r>
             <a:endParaRPr lang="zh-CN" altLang="en-US" dirty="0"/>
           </a:p>
@@ -4124,7 +4253,7 @@
           <p:cNvPr id="3" name="Content Placeholder 2">
             <a:extLst>
               <a:ext uri="{FF2B5EF4-FFF2-40B4-BE49-F238E27FC236}">
-                <a16:creationId xmlns:a16="http://schemas.microsoft.com/office/drawing/2014/main" id="{B4E9C946-28E7-4699-9AD0-920C887AE028}"/>
+                <a16:creationId xmlns:a16="http://schemas.microsoft.com/office/drawing/2014/main" id="{FD37C7C8-072B-4F72-BCA5-F97AB610E350}"/>
               </a:ext>
             </a:extLst>
           </p:cNvPr>
@@ -4135,14 +4264,364 @@
             <p:ph idx="1"/>
           </p:nvPr>
         </p:nvSpPr>
-        <p:spPr/>
-        <p:txBody>
-          <a:bodyPr/>
-          <a:lstStyle/>
-          <a:p>
-            <a:r>
-              <a:rPr lang="en-US" altLang="zh-CN" dirty="0"/>
-              <a:t>Will I be able to </a:t>
+        <p:spPr>
+          <a:xfrm>
+            <a:off x="838200" y="1388825"/>
+            <a:ext cx="10515600" cy="4351338"/>
+          </a:xfrm>
+        </p:spPr>
+        <p:txBody>
+          <a:bodyPr/>
+          <a:lstStyle/>
+          <a:p>
+            <a:r>
+              <a:rPr lang="en-US" altLang="zh-CN" dirty="0"/>
+              <a:t>For training on 60,000 training images, then inference on 10,000 test images</a:t>
+            </a:r>
+            <a:endParaRPr lang="zh-CN" altLang="en-US" dirty="0"/>
+          </a:p>
+        </p:txBody>
+      </p:sp>
+      <p:pic>
+        <p:nvPicPr>
+          <p:cNvPr id="4" name="Picture 3">
+            <a:extLst>
+              <a:ext uri="{FF2B5EF4-FFF2-40B4-BE49-F238E27FC236}">
+                <a16:creationId xmlns:a16="http://schemas.microsoft.com/office/drawing/2014/main" id="{5A86C0B6-0608-4C75-86FC-CF48CE1D8FE9}"/>
+              </a:ext>
+            </a:extLst>
+          </p:cNvPr>
+          <p:cNvPicPr>
+            <a:picLocks noChangeAspect="1"/>
+          </p:cNvPicPr>
+          <p:nvPr/>
+        </p:nvPicPr>
+        <p:blipFill>
+          <a:blip r:embed="rId2"/>
+          <a:stretch>
+            <a:fillRect/>
+          </a:stretch>
+        </p:blipFill>
+        <p:spPr>
+          <a:xfrm>
+            <a:off x="7948063" y="4096003"/>
+            <a:ext cx="2886075" cy="2419350"/>
+          </a:xfrm>
+          <a:prstGeom prst="rect">
+            <a:avLst/>
+          </a:prstGeom>
+        </p:spPr>
+      </p:pic>
+      <p:pic>
+        <p:nvPicPr>
+          <p:cNvPr id="5" name="Picture 4">
+            <a:extLst>
+              <a:ext uri="{FF2B5EF4-FFF2-40B4-BE49-F238E27FC236}">
+                <a16:creationId xmlns:a16="http://schemas.microsoft.com/office/drawing/2014/main" id="{6B69B46E-AF36-45A5-89E4-B2039A446FB8}"/>
+              </a:ext>
+            </a:extLst>
+          </p:cNvPr>
+          <p:cNvPicPr>
+            <a:picLocks noChangeAspect="1"/>
+          </p:cNvPicPr>
+          <p:nvPr/>
+        </p:nvPicPr>
+        <p:blipFill rotWithShape="1">
+          <a:blip r:embed="rId3"/>
+          <a:srcRect l="805" t="4905" b="-1"/>
+          <a:stretch/>
+        </p:blipFill>
+        <p:spPr>
+          <a:xfrm>
+            <a:off x="1041762" y="2607075"/>
+            <a:ext cx="3552554" cy="751800"/>
+          </a:xfrm>
+          <a:prstGeom prst="rect">
+            <a:avLst/>
+          </a:prstGeom>
+        </p:spPr>
+      </p:pic>
+      <p:sp>
+        <p:nvSpPr>
+          <p:cNvPr id="6" name="TextBox 5">
+            <a:extLst>
+              <a:ext uri="{FF2B5EF4-FFF2-40B4-BE49-F238E27FC236}">
+                <a16:creationId xmlns:a16="http://schemas.microsoft.com/office/drawing/2014/main" id="{C6DAF051-1307-4550-897E-001F39108CCE}"/>
+              </a:ext>
+            </a:extLst>
+          </p:cNvPr>
+          <p:cNvSpPr txBox="1"/>
+          <p:nvPr/>
+        </p:nvSpPr>
+        <p:spPr>
+          <a:xfrm>
+            <a:off x="8093522" y="3659203"/>
+            <a:ext cx="2595155" cy="369332"/>
+          </a:xfrm>
+          <a:prstGeom prst="rect">
+            <a:avLst/>
+          </a:prstGeom>
+          <a:noFill/>
+        </p:spPr>
+        <p:txBody>
+          <a:bodyPr wrap="square" rtlCol="0">
+            <a:spAutoFit/>
+          </a:bodyPr>
+          <a:lstStyle/>
+          <a:p>
+            <a:pPr algn="ctr"/>
+            <a:r>
+              <a:rPr lang="en-US" altLang="zh-CN" dirty="0"/>
+              <a:t>My Software Model, CPU</a:t>
+            </a:r>
+            <a:endParaRPr lang="zh-CN" altLang="en-US" dirty="0"/>
+          </a:p>
+        </p:txBody>
+      </p:sp>
+      <p:sp>
+        <p:nvSpPr>
+          <p:cNvPr id="7" name="TextBox 6">
+            <a:extLst>
+              <a:ext uri="{FF2B5EF4-FFF2-40B4-BE49-F238E27FC236}">
+                <a16:creationId xmlns:a16="http://schemas.microsoft.com/office/drawing/2014/main" id="{8892D51C-0FD3-415A-86D9-C539AF78C9FC}"/>
+              </a:ext>
+            </a:extLst>
+          </p:cNvPr>
+          <p:cNvSpPr txBox="1"/>
+          <p:nvPr/>
+        </p:nvSpPr>
+        <p:spPr>
+          <a:xfrm>
+            <a:off x="1041762" y="2266037"/>
+            <a:ext cx="3174276" cy="369332"/>
+          </a:xfrm>
+          <a:prstGeom prst="rect">
+            <a:avLst/>
+          </a:prstGeom>
+          <a:noFill/>
+        </p:spPr>
+        <p:txBody>
+          <a:bodyPr wrap="square" rtlCol="0">
+            <a:spAutoFit/>
+          </a:bodyPr>
+          <a:lstStyle/>
+          <a:p>
+            <a:pPr algn="ctr"/>
+            <a:r>
+              <a:rPr lang="en-US" altLang="zh-CN" dirty="0" err="1"/>
+              <a:t>PyTorch</a:t>
+            </a:r>
+            <a:r>
+              <a:rPr lang="en-US" altLang="zh-CN" dirty="0"/>
+              <a:t>: Batch size of 5, GPU</a:t>
+            </a:r>
+            <a:endParaRPr lang="zh-CN" altLang="en-US" dirty="0"/>
+          </a:p>
+        </p:txBody>
+      </p:sp>
+      <p:pic>
+        <p:nvPicPr>
+          <p:cNvPr id="8" name="Picture 7">
+            <a:extLst>
+              <a:ext uri="{FF2B5EF4-FFF2-40B4-BE49-F238E27FC236}">
+                <a16:creationId xmlns:a16="http://schemas.microsoft.com/office/drawing/2014/main" id="{E04CFF66-1CC2-4FB0-B634-F8C18AF9AF79}"/>
+              </a:ext>
+            </a:extLst>
+          </p:cNvPr>
+          <p:cNvPicPr>
+            <a:picLocks noChangeAspect="1"/>
+          </p:cNvPicPr>
+          <p:nvPr/>
+        </p:nvPicPr>
+        <p:blipFill>
+          <a:blip r:embed="rId4"/>
+          <a:stretch>
+            <a:fillRect/>
+          </a:stretch>
+        </p:blipFill>
+        <p:spPr>
+          <a:xfrm>
+            <a:off x="918074" y="4589146"/>
+            <a:ext cx="5972175" cy="1657350"/>
+          </a:xfrm>
+          <a:prstGeom prst="rect">
+            <a:avLst/>
+          </a:prstGeom>
+        </p:spPr>
+      </p:pic>
+      <p:sp>
+        <p:nvSpPr>
+          <p:cNvPr id="9" name="TextBox 8">
+            <a:extLst>
+              <a:ext uri="{FF2B5EF4-FFF2-40B4-BE49-F238E27FC236}">
+                <a16:creationId xmlns:a16="http://schemas.microsoft.com/office/drawing/2014/main" id="{A05A5E66-92A0-4D4A-B07D-1056C27549CA}"/>
+              </a:ext>
+            </a:extLst>
+          </p:cNvPr>
+          <p:cNvSpPr txBox="1"/>
+          <p:nvPr/>
+        </p:nvSpPr>
+        <p:spPr>
+          <a:xfrm>
+            <a:off x="2317023" y="4208825"/>
+            <a:ext cx="3174276" cy="369332"/>
+          </a:xfrm>
+          <a:prstGeom prst="rect">
+            <a:avLst/>
+          </a:prstGeom>
+          <a:noFill/>
+        </p:spPr>
+        <p:txBody>
+          <a:bodyPr wrap="square" rtlCol="0">
+            <a:spAutoFit/>
+          </a:bodyPr>
+          <a:lstStyle/>
+          <a:p>
+            <a:pPr algn="ctr"/>
+            <a:r>
+              <a:rPr lang="en-US" altLang="zh-CN" dirty="0"/>
+              <a:t>FPGA Accelerator</a:t>
+            </a:r>
+            <a:endParaRPr lang="zh-CN" altLang="en-US" dirty="0"/>
+          </a:p>
+        </p:txBody>
+      </p:sp>
+      <p:pic>
+        <p:nvPicPr>
+          <p:cNvPr id="10" name="Picture 9">
+            <a:extLst>
+              <a:ext uri="{FF2B5EF4-FFF2-40B4-BE49-F238E27FC236}">
+                <a16:creationId xmlns:a16="http://schemas.microsoft.com/office/drawing/2014/main" id="{1B8AB0C8-5B9A-4C7E-B2BA-064AFEE741C9}"/>
+              </a:ext>
+            </a:extLst>
+          </p:cNvPr>
+          <p:cNvPicPr>
+            <a:picLocks noChangeAspect="1"/>
+          </p:cNvPicPr>
+          <p:nvPr/>
+        </p:nvPicPr>
+        <p:blipFill rotWithShape="1">
+          <a:blip r:embed="rId5"/>
+          <a:srcRect l="896" b="12545"/>
+          <a:stretch/>
+        </p:blipFill>
+        <p:spPr>
+          <a:xfrm>
+            <a:off x="4797877" y="2592506"/>
+            <a:ext cx="3190603" cy="766369"/>
+          </a:xfrm>
+          <a:prstGeom prst="rect">
+            <a:avLst/>
+          </a:prstGeom>
+        </p:spPr>
+      </p:pic>
+      <p:sp>
+        <p:nvSpPr>
+          <p:cNvPr id="11" name="TextBox 10">
+            <a:extLst>
+              <a:ext uri="{FF2B5EF4-FFF2-40B4-BE49-F238E27FC236}">
+                <a16:creationId xmlns:a16="http://schemas.microsoft.com/office/drawing/2014/main" id="{120CEF53-AC99-4CB2-8DE5-C3AE9C574D63}"/>
+              </a:ext>
+            </a:extLst>
+          </p:cNvPr>
+          <p:cNvSpPr txBox="1"/>
+          <p:nvPr/>
+        </p:nvSpPr>
+        <p:spPr>
+          <a:xfrm>
+            <a:off x="4776643" y="2205898"/>
+            <a:ext cx="3174276" cy="369332"/>
+          </a:xfrm>
+          <a:prstGeom prst="rect">
+            <a:avLst/>
+          </a:prstGeom>
+          <a:noFill/>
+        </p:spPr>
+        <p:txBody>
+          <a:bodyPr wrap="square" rtlCol="0">
+            <a:spAutoFit/>
+          </a:bodyPr>
+          <a:lstStyle/>
+          <a:p>
+            <a:pPr algn="ctr"/>
+            <a:r>
+              <a:rPr lang="en-US" altLang="zh-CN" dirty="0" err="1"/>
+              <a:t>PyTorch</a:t>
+            </a:r>
+            <a:r>
+              <a:rPr lang="en-US" altLang="zh-CN" dirty="0"/>
+              <a:t>: Batch size of 200, GPU</a:t>
+            </a:r>
+            <a:endParaRPr lang="zh-CN" altLang="en-US" dirty="0"/>
+          </a:p>
+        </p:txBody>
+      </p:sp>
+      <p:pic>
+        <p:nvPicPr>
+          <p:cNvPr id="12" name="Picture 11">
+            <a:extLst>
+              <a:ext uri="{FF2B5EF4-FFF2-40B4-BE49-F238E27FC236}">
+                <a16:creationId xmlns:a16="http://schemas.microsoft.com/office/drawing/2014/main" id="{A83F146C-E51A-41CE-9DEB-E917DAD57177}"/>
+              </a:ext>
+            </a:extLst>
+          </p:cNvPr>
+          <p:cNvPicPr>
+            <a:picLocks noChangeAspect="1"/>
+          </p:cNvPicPr>
+          <p:nvPr/>
+        </p:nvPicPr>
+        <p:blipFill>
+          <a:blip r:embed="rId6"/>
+          <a:stretch>
+            <a:fillRect/>
+          </a:stretch>
+        </p:blipFill>
+        <p:spPr>
+          <a:xfrm>
+            <a:off x="8241982" y="2612903"/>
+            <a:ext cx="3238500" cy="238125"/>
+          </a:xfrm>
+          <a:prstGeom prst="rect">
+            <a:avLst/>
+          </a:prstGeom>
+        </p:spPr>
+      </p:pic>
+      <p:sp>
+        <p:nvSpPr>
+          <p:cNvPr id="13" name="TextBox 12">
+            <a:extLst>
+              <a:ext uri="{FF2B5EF4-FFF2-40B4-BE49-F238E27FC236}">
+                <a16:creationId xmlns:a16="http://schemas.microsoft.com/office/drawing/2014/main" id="{3243B996-0F5A-4C82-A412-49A7B82EF880}"/>
+              </a:ext>
+            </a:extLst>
+          </p:cNvPr>
+          <p:cNvSpPr txBox="1"/>
+          <p:nvPr/>
+        </p:nvSpPr>
+        <p:spPr>
+          <a:xfrm>
+            <a:off x="8274094" y="2153083"/>
+            <a:ext cx="3174276" cy="369332"/>
+          </a:xfrm>
+          <a:prstGeom prst="rect">
+            <a:avLst/>
+          </a:prstGeom>
+          <a:noFill/>
+        </p:spPr>
+        <p:txBody>
+          <a:bodyPr wrap="square" rtlCol="0">
+            <a:spAutoFit/>
+          </a:bodyPr>
+          <a:lstStyle/>
+          <a:p>
+            <a:pPr algn="ctr"/>
+            <a:r>
+              <a:rPr lang="en-US" altLang="zh-CN" dirty="0" err="1"/>
+              <a:t>PyTorch</a:t>
+            </a:r>
+            <a:r>
+              <a:rPr lang="en-US" altLang="zh-CN" dirty="0"/>
+              <a:t>: Batch size of 1, CPU</a:t>
             </a:r>
             <a:endParaRPr lang="zh-CN" altLang="en-US" dirty="0"/>
           </a:p>
@@ -4151,7 +4630,7 @@
     </p:spTree>
     <p:extLst>
       <p:ext uri="{BB962C8B-B14F-4D97-AF65-F5344CB8AC3E}">
-        <p14:creationId xmlns:p14="http://schemas.microsoft.com/office/powerpoint/2010/main" val="2882128190"/>
+        <p14:creationId xmlns:p14="http://schemas.microsoft.com/office/powerpoint/2010/main" val="253535896"/>
       </p:ext>
     </p:extLst>
   </p:cSld>
@@ -4183,7 +4662,7 @@
           <p:cNvPr id="2" name="Title 1">
             <a:extLst>
               <a:ext uri="{FF2B5EF4-FFF2-40B4-BE49-F238E27FC236}">
-                <a16:creationId xmlns:a16="http://schemas.microsoft.com/office/drawing/2014/main" id="{AD26A2D8-5869-4DF3-B9BF-56096FF9AC52}"/>
+                <a16:creationId xmlns:a16="http://schemas.microsoft.com/office/drawing/2014/main" id="{7F6A674C-71FE-4351-AC5D-B86BD14A5463}"/>
               </a:ext>
             </a:extLst>
           </p:cNvPr>
@@ -4200,53 +4679,1034 @@
           <a:lstStyle/>
           <a:p>
             <a:r>
-              <a:rPr lang="en-US" dirty="0"/>
-              <a:t>Exam Date</a:t>
-            </a:r>
-          </a:p>
-        </p:txBody>
-      </p:sp>
-      <p:sp>
-        <p:nvSpPr>
-          <p:cNvPr id="3" name="Content Placeholder 2">
-            <a:extLst>
-              <a:ext uri="{FF2B5EF4-FFF2-40B4-BE49-F238E27FC236}">
-                <a16:creationId xmlns:a16="http://schemas.microsoft.com/office/drawing/2014/main" id="{037051C9-5AEE-4626-A93C-EA08C0FEAA0E}"/>
-              </a:ext>
-            </a:extLst>
-          </p:cNvPr>
-          <p:cNvSpPr>
-            <a:spLocks noGrp="1"/>
-          </p:cNvSpPr>
-          <p:nvPr>
-            <p:ph idx="1"/>
-          </p:nvPr>
-        </p:nvSpPr>
-        <p:spPr/>
-        <p:txBody>
-          <a:bodyPr/>
-          <a:lstStyle/>
-          <a:p>
-            <a:r>
-              <a:rPr lang="en-US" dirty="0"/>
-              <a:t>Thesis hand-in is on Friday, June 28, I fly to the US on Wednesday, July 10.</a:t>
-            </a:r>
-          </a:p>
-          <a:p>
-            <a:endParaRPr lang="en-US" dirty="0"/>
-          </a:p>
-          <a:p>
-            <a:r>
-              <a:rPr lang="en-US" dirty="0"/>
-              <a:t>We have tentatively scheduled the exam for July 8, 2019.</a:t>
-            </a:r>
-          </a:p>
-        </p:txBody>
-      </p:sp>
+              <a:rPr lang="en-US" altLang="zh-CN" dirty="0"/>
+              <a:t>Timing in a neat table</a:t>
+            </a:r>
+            <a:endParaRPr lang="zh-CN" altLang="en-US" dirty="0"/>
+          </a:p>
+        </p:txBody>
+      </p:sp>
+      <p:graphicFrame>
+        <p:nvGraphicFramePr>
+          <p:cNvPr id="4" name="Table 3">
+            <a:extLst>
+              <a:ext uri="{FF2B5EF4-FFF2-40B4-BE49-F238E27FC236}">
+                <a16:creationId xmlns:a16="http://schemas.microsoft.com/office/drawing/2014/main" id="{725A4294-1F03-46B6-BC83-4A48AA0105B7}"/>
+              </a:ext>
+            </a:extLst>
+          </p:cNvPr>
+          <p:cNvGraphicFramePr>
+            <a:graphicFrameLocks noGrp="1"/>
+          </p:cNvGraphicFramePr>
+          <p:nvPr>
+            <p:extLst>
+              <p:ext uri="{D42A27DB-BD31-4B8C-83A1-F6EECF244321}">
+                <p14:modId xmlns:p14="http://schemas.microsoft.com/office/powerpoint/2010/main" val="506237147"/>
+              </p:ext>
+            </p:extLst>
+          </p:nvPr>
+        </p:nvGraphicFramePr>
+        <p:xfrm>
+          <a:off x="975360" y="1973580"/>
+          <a:ext cx="10241280" cy="3298614"/>
+        </p:xfrm>
+        <a:graphic>
+          <a:graphicData uri="http://schemas.openxmlformats.org/drawingml/2006/table">
+            <a:tbl>
+              <a:tblPr firstRow="1" bandRow="1">
+                <a:tableStyleId>{073A0DAA-6AF3-43AB-8588-CEC1D06C72B9}</a:tableStyleId>
+              </a:tblPr>
+              <a:tblGrid>
+                <a:gridCol w="5120640">
+                  <a:extLst>
+                    <a:ext uri="{9D8B030D-6E8A-4147-A177-3AD203B41FA5}">
+                      <a16:colId xmlns:a16="http://schemas.microsoft.com/office/drawing/2014/main" val="2905571637"/>
+                    </a:ext>
+                  </a:extLst>
+                </a:gridCol>
+                <a:gridCol w="5120640">
+                  <a:extLst>
+                    <a:ext uri="{9D8B030D-6E8A-4147-A177-3AD203B41FA5}">
+                      <a16:colId xmlns:a16="http://schemas.microsoft.com/office/drawing/2014/main" val="70148978"/>
+                    </a:ext>
+                  </a:extLst>
+                </a:gridCol>
+              </a:tblGrid>
+              <a:tr h="549769">
+                <a:tc>
+                  <a:txBody>
+                    <a:bodyPr/>
+                    <a:lstStyle/>
+                    <a:p>
+                      <a:r>
+                        <a:rPr lang="en-US" altLang="zh-CN" sz="2400" dirty="0"/>
+                        <a:t>Model</a:t>
+                      </a:r>
+                      <a:endParaRPr lang="zh-CN" altLang="en-US" sz="2400" dirty="0"/>
+                    </a:p>
+                  </a:txBody>
+                  <a:tcPr/>
+                </a:tc>
+                <a:tc>
+                  <a:txBody>
+                    <a:bodyPr/>
+                    <a:lstStyle/>
+                    <a:p>
+                      <a:r>
+                        <a:rPr lang="en-US" altLang="zh-CN" sz="2400" dirty="0"/>
+                        <a:t>Time for 1 Training Epoch</a:t>
+                      </a:r>
+                      <a:endParaRPr lang="zh-CN" altLang="en-US" sz="2400" dirty="0"/>
+                    </a:p>
+                  </a:txBody>
+                  <a:tcPr/>
+                </a:tc>
+                <a:extLst>
+                  <a:ext uri="{0D108BD9-81ED-4DB2-BD59-A6C34878D82A}">
+                    <a16:rowId xmlns:a16="http://schemas.microsoft.com/office/drawing/2014/main" val="1758482362"/>
+                  </a:ext>
+                </a:extLst>
+              </a:tr>
+              <a:tr h="549769">
+                <a:tc>
+                  <a:txBody>
+                    <a:bodyPr/>
+                    <a:lstStyle/>
+                    <a:p>
+                      <a:r>
+                        <a:rPr lang="en-US" altLang="zh-CN" sz="2400" dirty="0"/>
+                        <a:t>Software Model, Batch Size = 1</a:t>
+                      </a:r>
+                      <a:endParaRPr lang="zh-CN" altLang="en-US" sz="2400" dirty="0"/>
+                    </a:p>
+                  </a:txBody>
+                  <a:tcPr/>
+                </a:tc>
+                <a:tc>
+                  <a:txBody>
+                    <a:bodyPr/>
+                    <a:lstStyle/>
+                    <a:p>
+                      <a:r>
+                        <a:rPr lang="en-US" altLang="zh-CN" sz="2400" dirty="0"/>
+                        <a:t>275.95 seconds</a:t>
+                      </a:r>
+                      <a:endParaRPr lang="zh-CN" altLang="en-US" sz="2400" dirty="0"/>
+                    </a:p>
+                  </a:txBody>
+                  <a:tcPr/>
+                </a:tc>
+                <a:extLst>
+                  <a:ext uri="{0D108BD9-81ED-4DB2-BD59-A6C34878D82A}">
+                    <a16:rowId xmlns:a16="http://schemas.microsoft.com/office/drawing/2014/main" val="3534338050"/>
+                  </a:ext>
+                </a:extLst>
+              </a:tr>
+              <a:tr h="549769">
+                <a:tc>
+                  <a:txBody>
+                    <a:bodyPr/>
+                    <a:lstStyle/>
+                    <a:p>
+                      <a:r>
+                        <a:rPr lang="en-US" altLang="zh-CN" sz="2400" dirty="0" err="1"/>
+                        <a:t>PyTorch</a:t>
+                      </a:r>
+                      <a:r>
+                        <a:rPr lang="en-US" altLang="zh-CN" sz="2400" dirty="0"/>
+                        <a:t> CPU, Batch Size = 1</a:t>
+                      </a:r>
+                      <a:endParaRPr lang="zh-CN" altLang="en-US" sz="2400" dirty="0"/>
+                    </a:p>
+                  </a:txBody>
+                  <a:tcPr/>
+                </a:tc>
+                <a:tc>
+                  <a:txBody>
+                    <a:bodyPr/>
+                    <a:lstStyle/>
+                    <a:p>
+                      <a:pPr marL="0" marR="0" lvl="0" indent="0" algn="l" defTabSz="914400" rtl="0" eaLnBrk="1" fontAlgn="auto" latinLnBrk="0" hangingPunct="1">
+                        <a:lnSpc>
+                          <a:spcPct val="100000"/>
+                        </a:lnSpc>
+                        <a:spcBef>
+                          <a:spcPts val="0"/>
+                        </a:spcBef>
+                        <a:spcAft>
+                          <a:spcPts val="0"/>
+                        </a:spcAft>
+                        <a:buClrTx/>
+                        <a:buSzTx/>
+                        <a:buFontTx/>
+                        <a:buNone/>
+                        <a:tabLst/>
+                        <a:defRPr/>
+                      </a:pPr>
+                      <a:r>
+                        <a:rPr lang="en-US" altLang="zh-CN" sz="2400" dirty="0"/>
+                        <a:t>122.65 seconds</a:t>
+                      </a:r>
+                      <a:endParaRPr lang="zh-CN" altLang="en-US" sz="2400" dirty="0"/>
+                    </a:p>
+                  </a:txBody>
+                  <a:tcPr/>
+                </a:tc>
+                <a:extLst>
+                  <a:ext uri="{0D108BD9-81ED-4DB2-BD59-A6C34878D82A}">
+                    <a16:rowId xmlns:a16="http://schemas.microsoft.com/office/drawing/2014/main" val="511584446"/>
+                  </a:ext>
+                </a:extLst>
+              </a:tr>
+              <a:tr h="549769">
+                <a:tc>
+                  <a:txBody>
+                    <a:bodyPr/>
+                    <a:lstStyle/>
+                    <a:p>
+                      <a:pPr marL="0" marR="0" lvl="0" indent="0" algn="l" defTabSz="914400" rtl="0" eaLnBrk="1" fontAlgn="auto" latinLnBrk="0" hangingPunct="1">
+                        <a:lnSpc>
+                          <a:spcPct val="100000"/>
+                        </a:lnSpc>
+                        <a:spcBef>
+                          <a:spcPts val="0"/>
+                        </a:spcBef>
+                        <a:spcAft>
+                          <a:spcPts val="0"/>
+                        </a:spcAft>
+                        <a:buClrTx/>
+                        <a:buSzTx/>
+                        <a:buFontTx/>
+                        <a:buNone/>
+                        <a:tabLst/>
+                        <a:defRPr/>
+                      </a:pPr>
+                      <a:r>
+                        <a:rPr lang="en-US" altLang="zh-CN" sz="2400" dirty="0" err="1"/>
+                        <a:t>PyTorch</a:t>
+                      </a:r>
+                      <a:r>
+                        <a:rPr lang="en-US" altLang="zh-CN" sz="2400" dirty="0"/>
+                        <a:t> GPU, Batch Size = 5</a:t>
+                      </a:r>
+                      <a:endParaRPr lang="zh-CN" altLang="en-US" sz="2400" dirty="0"/>
+                    </a:p>
+                  </a:txBody>
+                  <a:tcPr/>
+                </a:tc>
+                <a:tc>
+                  <a:txBody>
+                    <a:bodyPr/>
+                    <a:lstStyle/>
+                    <a:p>
+                      <a:r>
+                        <a:rPr lang="en-US" altLang="zh-CN" sz="2400" dirty="0"/>
+                        <a:t>74.93 seconds</a:t>
+                      </a:r>
+                      <a:endParaRPr lang="zh-CN" altLang="en-US" sz="2400" dirty="0"/>
+                    </a:p>
+                  </a:txBody>
+                  <a:tcPr/>
+                </a:tc>
+                <a:extLst>
+                  <a:ext uri="{0D108BD9-81ED-4DB2-BD59-A6C34878D82A}">
+                    <a16:rowId xmlns:a16="http://schemas.microsoft.com/office/drawing/2014/main" val="1294988777"/>
+                  </a:ext>
+                </a:extLst>
+              </a:tr>
+              <a:tr h="549769">
+                <a:tc>
+                  <a:txBody>
+                    <a:bodyPr/>
+                    <a:lstStyle/>
+                    <a:p>
+                      <a:r>
+                        <a:rPr lang="en-US" altLang="zh-CN" sz="2400" dirty="0" err="1"/>
+                        <a:t>PyTorch</a:t>
+                      </a:r>
+                      <a:r>
+                        <a:rPr lang="en-US" altLang="zh-CN" sz="2400" dirty="0"/>
+                        <a:t> GPU, Batch Size = 200</a:t>
+                      </a:r>
+                      <a:endParaRPr lang="zh-CN" altLang="en-US" sz="2400" dirty="0"/>
+                    </a:p>
+                  </a:txBody>
+                  <a:tcPr/>
+                </a:tc>
+                <a:tc>
+                  <a:txBody>
+                    <a:bodyPr/>
+                    <a:lstStyle/>
+                    <a:p>
+                      <a:r>
+                        <a:rPr lang="en-US" altLang="zh-CN" sz="2400" dirty="0"/>
+                        <a:t>7.14 seconds</a:t>
+                      </a:r>
+                      <a:endParaRPr lang="zh-CN" altLang="en-US" sz="2400" dirty="0"/>
+                    </a:p>
+                  </a:txBody>
+                  <a:tcPr/>
+                </a:tc>
+                <a:extLst>
+                  <a:ext uri="{0D108BD9-81ED-4DB2-BD59-A6C34878D82A}">
+                    <a16:rowId xmlns:a16="http://schemas.microsoft.com/office/drawing/2014/main" val="1539463837"/>
+                  </a:ext>
+                </a:extLst>
+              </a:tr>
+              <a:tr h="549769">
+                <a:tc>
+                  <a:txBody>
+                    <a:bodyPr/>
+                    <a:lstStyle/>
+                    <a:p>
+                      <a:r>
+                        <a:rPr lang="en-US" altLang="zh-CN" sz="2400" dirty="0"/>
+                        <a:t>Hardware Model, Batch Size = 1</a:t>
+                      </a:r>
+                      <a:endParaRPr lang="zh-CN" altLang="en-US" sz="2400" dirty="0"/>
+                    </a:p>
+                  </a:txBody>
+                  <a:tcPr/>
+                </a:tc>
+                <a:tc>
+                  <a:txBody>
+                    <a:bodyPr/>
+                    <a:lstStyle/>
+                    <a:p>
+                      <a:r>
+                        <a:rPr lang="en-US" altLang="zh-CN" sz="2400" dirty="0"/>
+                        <a:t>4.61 seconds</a:t>
+                      </a:r>
+                      <a:endParaRPr lang="zh-CN" altLang="en-US" sz="2400" dirty="0"/>
+                    </a:p>
+                  </a:txBody>
+                  <a:tcPr/>
+                </a:tc>
+                <a:extLst>
+                  <a:ext uri="{0D108BD9-81ED-4DB2-BD59-A6C34878D82A}">
+                    <a16:rowId xmlns:a16="http://schemas.microsoft.com/office/drawing/2014/main" val="3855078772"/>
+                  </a:ext>
+                </a:extLst>
+              </a:tr>
+            </a:tbl>
+          </a:graphicData>
+        </a:graphic>
+      </p:graphicFrame>
     </p:spTree>
     <p:extLst>
       <p:ext uri="{BB962C8B-B14F-4D97-AF65-F5344CB8AC3E}">
-        <p14:creationId xmlns:p14="http://schemas.microsoft.com/office/powerpoint/2010/main" val="2818833863"/>
+        <p14:creationId xmlns:p14="http://schemas.microsoft.com/office/powerpoint/2010/main" val="2608244609"/>
+      </p:ext>
+    </p:extLst>
+  </p:cSld>
+  <p:clrMapOvr>
+    <a:masterClrMapping/>
+  </p:clrMapOvr>
+</p:sld>
+</file>
+
+<file path=ppt/slides/slide16.xml><?xml version="1.0" encoding="utf-8"?>
+<p:sld xmlns:a="http://schemas.openxmlformats.org/drawingml/2006/main" xmlns:r="http://schemas.openxmlformats.org/officeDocument/2006/relationships" xmlns:p="http://schemas.openxmlformats.org/presentationml/2006/main">
+  <p:cSld>
+    <p:spTree>
+      <p:nvGrpSpPr>
+        <p:cNvPr id="1" name=""/>
+        <p:cNvGrpSpPr/>
+        <p:nvPr/>
+      </p:nvGrpSpPr>
+      <p:grpSpPr>
+        <a:xfrm>
+          <a:off x="0" y="0"/>
+          <a:ext cx="0" cy="0"/>
+          <a:chOff x="0" y="0"/>
+          <a:chExt cx="0" cy="0"/>
+        </a:xfrm>
+      </p:grpSpPr>
+      <p:sp>
+        <p:nvSpPr>
+          <p:cNvPr id="2" name="Title 1">
+            <a:extLst>
+              <a:ext uri="{FF2B5EF4-FFF2-40B4-BE49-F238E27FC236}">
+                <a16:creationId xmlns:a16="http://schemas.microsoft.com/office/drawing/2014/main" id="{3CE2767B-0E4D-41B9-96C6-807B2DB9758E}"/>
+              </a:ext>
+            </a:extLst>
+          </p:cNvPr>
+          <p:cNvSpPr>
+            <a:spLocks noGrp="1"/>
+          </p:cNvSpPr>
+          <p:nvPr>
+            <p:ph type="title"/>
+          </p:nvPr>
+        </p:nvSpPr>
+        <p:spPr/>
+        <p:txBody>
+          <a:bodyPr/>
+          <a:lstStyle/>
+          <a:p>
+            <a:r>
+              <a:rPr lang="en-US" altLang="zh-CN" dirty="0"/>
+              <a:t>Memory Map between PS and FPGA</a:t>
+            </a:r>
+            <a:endParaRPr lang="zh-CN" altLang="en-US" dirty="0"/>
+          </a:p>
+        </p:txBody>
+      </p:sp>
+      <p:sp>
+        <p:nvSpPr>
+          <p:cNvPr id="3" name="Content Placeholder 2">
+            <a:extLst>
+              <a:ext uri="{FF2B5EF4-FFF2-40B4-BE49-F238E27FC236}">
+                <a16:creationId xmlns:a16="http://schemas.microsoft.com/office/drawing/2014/main" id="{F423BF41-3BA9-445E-8CBC-8BFE63C4A3C9}"/>
+              </a:ext>
+            </a:extLst>
+          </p:cNvPr>
+          <p:cNvSpPr>
+            <a:spLocks noGrp="1"/>
+          </p:cNvSpPr>
+          <p:nvPr>
+            <p:ph idx="1"/>
+          </p:nvPr>
+        </p:nvSpPr>
+        <p:spPr/>
+        <p:txBody>
+          <a:bodyPr/>
+          <a:lstStyle/>
+          <a:p>
+            <a:r>
+              <a:rPr lang="en-US" altLang="zh-CN" dirty="0"/>
+              <a:t>Created a memory map so that data can be sent over DDR</a:t>
+            </a:r>
+          </a:p>
+          <a:p>
+            <a:endParaRPr lang="en-US" altLang="zh-CN" dirty="0"/>
+          </a:p>
+          <a:p>
+            <a:r>
+              <a:rPr lang="en-US" altLang="zh-CN" dirty="0"/>
+              <a:t>CPU side: handle to /dev/mem with a pointer at the offset specified by the Zynq PS system in </a:t>
+            </a:r>
+            <a:r>
+              <a:rPr lang="en-US" altLang="zh-CN" dirty="0" err="1"/>
+              <a:t>Vivado</a:t>
+            </a:r>
+            <a:endParaRPr lang="en-US" altLang="zh-CN" dirty="0"/>
+          </a:p>
+          <a:p>
+            <a:endParaRPr lang="en-US" altLang="zh-CN" dirty="0"/>
+          </a:p>
+          <a:p>
+            <a:r>
+              <a:rPr lang="en-US" altLang="zh-CN" dirty="0"/>
+              <a:t>FPGA side: AXI slave interfacing with the AXI Master from Zynq PS</a:t>
+            </a:r>
+            <a:endParaRPr lang="zh-CN" altLang="en-US" dirty="0"/>
+          </a:p>
+        </p:txBody>
+      </p:sp>
+    </p:spTree>
+    <p:extLst>
+      <p:ext uri="{BB962C8B-B14F-4D97-AF65-F5344CB8AC3E}">
+        <p14:creationId xmlns:p14="http://schemas.microsoft.com/office/powerpoint/2010/main" val="2109243365"/>
+      </p:ext>
+    </p:extLst>
+  </p:cSld>
+  <p:clrMapOvr>
+    <a:masterClrMapping/>
+  </p:clrMapOvr>
+</p:sld>
+</file>
+
+<file path=ppt/slides/slide17.xml><?xml version="1.0" encoding="utf-8"?>
+<p:sld xmlns:a="http://schemas.openxmlformats.org/drawingml/2006/main" xmlns:r="http://schemas.openxmlformats.org/officeDocument/2006/relationships" xmlns:p="http://schemas.openxmlformats.org/presentationml/2006/main">
+  <p:cSld>
+    <p:spTree>
+      <p:nvGrpSpPr>
+        <p:cNvPr id="1" name=""/>
+        <p:cNvGrpSpPr/>
+        <p:nvPr/>
+      </p:nvGrpSpPr>
+      <p:grpSpPr>
+        <a:xfrm>
+          <a:off x="0" y="0"/>
+          <a:ext cx="0" cy="0"/>
+          <a:chOff x="0" y="0"/>
+          <a:chExt cx="0" cy="0"/>
+        </a:xfrm>
+      </p:grpSpPr>
+      <p:sp>
+        <p:nvSpPr>
+          <p:cNvPr id="2" name="Title 1">
+            <a:extLst>
+              <a:ext uri="{FF2B5EF4-FFF2-40B4-BE49-F238E27FC236}">
+                <a16:creationId xmlns:a16="http://schemas.microsoft.com/office/drawing/2014/main" id="{11D74DC7-A10B-497D-885E-10C91045E1C0}"/>
+              </a:ext>
+            </a:extLst>
+          </p:cNvPr>
+          <p:cNvSpPr>
+            <a:spLocks noGrp="1"/>
+          </p:cNvSpPr>
+          <p:nvPr>
+            <p:ph type="title"/>
+          </p:nvPr>
+        </p:nvSpPr>
+        <p:spPr/>
+        <p:txBody>
+          <a:bodyPr/>
+          <a:lstStyle/>
+          <a:p>
+            <a:r>
+              <a:rPr lang="en-US" altLang="zh-CN" dirty="0"/>
+              <a:t>FPGA Side</a:t>
+            </a:r>
+            <a:endParaRPr lang="zh-CN" altLang="en-US" dirty="0"/>
+          </a:p>
+        </p:txBody>
+      </p:sp>
+      <p:sp>
+        <p:nvSpPr>
+          <p:cNvPr id="3" name="Content Placeholder 2">
+            <a:extLst>
+              <a:ext uri="{FF2B5EF4-FFF2-40B4-BE49-F238E27FC236}">
+                <a16:creationId xmlns:a16="http://schemas.microsoft.com/office/drawing/2014/main" id="{7688EDCE-8B55-42C4-A7E1-072D94ABFCAE}"/>
+              </a:ext>
+            </a:extLst>
+          </p:cNvPr>
+          <p:cNvSpPr>
+            <a:spLocks noGrp="1"/>
+          </p:cNvSpPr>
+          <p:nvPr>
+            <p:ph idx="1"/>
+          </p:nvPr>
+        </p:nvSpPr>
+        <p:spPr>
+          <a:xfrm>
+            <a:off x="838200" y="1825625"/>
+            <a:ext cx="10515600" cy="4351338"/>
+          </a:xfrm>
+        </p:spPr>
+        <p:txBody>
+          <a:bodyPr/>
+          <a:lstStyle/>
+          <a:p>
+            <a:r>
+              <a:rPr lang="en-US" altLang="zh-CN" dirty="0"/>
+              <a:t>Based on a modified </a:t>
+            </a:r>
+            <a:r>
+              <a:rPr lang="en-US" altLang="zh-CN" dirty="0" err="1"/>
+              <a:t>Vivado</a:t>
+            </a:r>
+            <a:r>
+              <a:rPr lang="en-US" altLang="zh-CN" dirty="0"/>
+              <a:t> provided </a:t>
+            </a:r>
+            <a:r>
+              <a:rPr lang="en-US" altLang="zh-CN" dirty="0" err="1"/>
+              <a:t>Axi</a:t>
+            </a:r>
+            <a:r>
+              <a:rPr lang="en-US" altLang="zh-CN" dirty="0"/>
+              <a:t> core</a:t>
+            </a:r>
+            <a:endParaRPr lang="zh-CN" altLang="en-US" dirty="0"/>
+          </a:p>
+        </p:txBody>
+      </p:sp>
+      <p:pic>
+        <p:nvPicPr>
+          <p:cNvPr id="4" name="Picture 3">
+            <a:extLst>
+              <a:ext uri="{FF2B5EF4-FFF2-40B4-BE49-F238E27FC236}">
+                <a16:creationId xmlns:a16="http://schemas.microsoft.com/office/drawing/2014/main" id="{DC5B5211-563B-4044-8B02-0C3A3E3E76E1}"/>
+              </a:ext>
+            </a:extLst>
+          </p:cNvPr>
+          <p:cNvPicPr>
+            <a:picLocks noChangeAspect="1"/>
+          </p:cNvPicPr>
+          <p:nvPr/>
+        </p:nvPicPr>
+        <p:blipFill>
+          <a:blip r:embed="rId2"/>
+          <a:stretch>
+            <a:fillRect/>
+          </a:stretch>
+        </p:blipFill>
+        <p:spPr>
+          <a:xfrm>
+            <a:off x="701040" y="2797175"/>
+            <a:ext cx="6200775" cy="3514725"/>
+          </a:xfrm>
+          <a:prstGeom prst="rect">
+            <a:avLst/>
+          </a:prstGeom>
+          <a:ln>
+            <a:solidFill>
+              <a:schemeClr val="tx1"/>
+            </a:solidFill>
+          </a:ln>
+        </p:spPr>
+      </p:pic>
+      <p:sp>
+        <p:nvSpPr>
+          <p:cNvPr id="5" name="TextBox 4">
+            <a:extLst>
+              <a:ext uri="{FF2B5EF4-FFF2-40B4-BE49-F238E27FC236}">
+                <a16:creationId xmlns:a16="http://schemas.microsoft.com/office/drawing/2014/main" id="{755F1430-A07E-4E65-8912-A96FE22D1C53}"/>
+              </a:ext>
+            </a:extLst>
+          </p:cNvPr>
+          <p:cNvSpPr txBox="1"/>
+          <p:nvPr/>
+        </p:nvSpPr>
+        <p:spPr>
+          <a:xfrm>
+            <a:off x="2422207" y="2446020"/>
+            <a:ext cx="2758440" cy="369332"/>
+          </a:xfrm>
+          <a:prstGeom prst="rect">
+            <a:avLst/>
+          </a:prstGeom>
+          <a:noFill/>
+        </p:spPr>
+        <p:txBody>
+          <a:bodyPr wrap="square" rtlCol="0">
+            <a:spAutoFit/>
+          </a:bodyPr>
+          <a:lstStyle/>
+          <a:p>
+            <a:pPr algn="ctr"/>
+            <a:r>
+              <a:rPr lang="en-US" altLang="zh-CN" dirty="0"/>
+              <a:t>FPGA to PS</a:t>
+            </a:r>
+            <a:endParaRPr lang="zh-CN" altLang="en-US" dirty="0"/>
+          </a:p>
+        </p:txBody>
+      </p:sp>
+      <p:pic>
+        <p:nvPicPr>
+          <p:cNvPr id="6" name="Picture 5">
+            <a:extLst>
+              <a:ext uri="{FF2B5EF4-FFF2-40B4-BE49-F238E27FC236}">
+                <a16:creationId xmlns:a16="http://schemas.microsoft.com/office/drawing/2014/main" id="{D60C314D-0DDE-4A60-B03C-0B359A0B1D58}"/>
+              </a:ext>
+            </a:extLst>
+          </p:cNvPr>
+          <p:cNvPicPr>
+            <a:picLocks noChangeAspect="1"/>
+          </p:cNvPicPr>
+          <p:nvPr/>
+        </p:nvPicPr>
+        <p:blipFill>
+          <a:blip r:embed="rId3"/>
+          <a:stretch>
+            <a:fillRect/>
+          </a:stretch>
+        </p:blipFill>
+        <p:spPr>
+          <a:xfrm>
+            <a:off x="7038975" y="3429000"/>
+            <a:ext cx="4857750" cy="2667000"/>
+          </a:xfrm>
+          <a:prstGeom prst="rect">
+            <a:avLst/>
+          </a:prstGeom>
+          <a:ln>
+            <a:solidFill>
+              <a:schemeClr val="tx1"/>
+            </a:solidFill>
+          </a:ln>
+        </p:spPr>
+      </p:pic>
+      <p:sp>
+        <p:nvSpPr>
+          <p:cNvPr id="7" name="TextBox 6">
+            <a:extLst>
+              <a:ext uri="{FF2B5EF4-FFF2-40B4-BE49-F238E27FC236}">
+                <a16:creationId xmlns:a16="http://schemas.microsoft.com/office/drawing/2014/main" id="{9EB53460-95B0-4887-9F67-4F4BD49A66DF}"/>
+              </a:ext>
+            </a:extLst>
+          </p:cNvPr>
+          <p:cNvSpPr txBox="1"/>
+          <p:nvPr/>
+        </p:nvSpPr>
+        <p:spPr>
+          <a:xfrm>
+            <a:off x="8088630" y="3059668"/>
+            <a:ext cx="2758440" cy="369332"/>
+          </a:xfrm>
+          <a:prstGeom prst="rect">
+            <a:avLst/>
+          </a:prstGeom>
+          <a:noFill/>
+        </p:spPr>
+        <p:txBody>
+          <a:bodyPr wrap="square" rtlCol="0">
+            <a:spAutoFit/>
+          </a:bodyPr>
+          <a:lstStyle/>
+          <a:p>
+            <a:pPr algn="ctr"/>
+            <a:r>
+              <a:rPr lang="en-US" altLang="zh-CN" dirty="0"/>
+              <a:t>PS to FPGA</a:t>
+            </a:r>
+            <a:endParaRPr lang="zh-CN" altLang="en-US" dirty="0"/>
+          </a:p>
+        </p:txBody>
+      </p:sp>
+    </p:spTree>
+    <p:extLst>
+      <p:ext uri="{BB962C8B-B14F-4D97-AF65-F5344CB8AC3E}">
+        <p14:creationId xmlns:p14="http://schemas.microsoft.com/office/powerpoint/2010/main" val="1653830807"/>
+      </p:ext>
+    </p:extLst>
+  </p:cSld>
+  <p:clrMapOvr>
+    <a:masterClrMapping/>
+  </p:clrMapOvr>
+</p:sld>
+</file>
+
+<file path=ppt/slides/slide18.xml><?xml version="1.0" encoding="utf-8"?>
+<p:sld xmlns:a="http://schemas.openxmlformats.org/drawingml/2006/main" xmlns:r="http://schemas.openxmlformats.org/officeDocument/2006/relationships" xmlns:p="http://schemas.openxmlformats.org/presentationml/2006/main">
+  <p:cSld>
+    <p:spTree>
+      <p:nvGrpSpPr>
+        <p:cNvPr id="1" name=""/>
+        <p:cNvGrpSpPr/>
+        <p:nvPr/>
+      </p:nvGrpSpPr>
+      <p:grpSpPr>
+        <a:xfrm>
+          <a:off x="0" y="0"/>
+          <a:ext cx="0" cy="0"/>
+          <a:chOff x="0" y="0"/>
+          <a:chExt cx="0" cy="0"/>
+        </a:xfrm>
+      </p:grpSpPr>
+      <p:sp>
+        <p:nvSpPr>
+          <p:cNvPr id="2" name="Title 1">
+            <a:extLst>
+              <a:ext uri="{FF2B5EF4-FFF2-40B4-BE49-F238E27FC236}">
+                <a16:creationId xmlns:a16="http://schemas.microsoft.com/office/drawing/2014/main" id="{1D1560FC-F1F4-4812-B4AE-CE658B86DDD7}"/>
+              </a:ext>
+            </a:extLst>
+          </p:cNvPr>
+          <p:cNvSpPr>
+            <a:spLocks noGrp="1"/>
+          </p:cNvSpPr>
+          <p:nvPr>
+            <p:ph type="title"/>
+          </p:nvPr>
+        </p:nvSpPr>
+        <p:spPr/>
+        <p:txBody>
+          <a:bodyPr/>
+          <a:lstStyle/>
+          <a:p>
+            <a:r>
+              <a:rPr lang="en-US" altLang="zh-CN" dirty="0"/>
+              <a:t>FPGA Side</a:t>
+            </a:r>
+            <a:endParaRPr lang="zh-CN" altLang="en-US" dirty="0"/>
+          </a:p>
+        </p:txBody>
+      </p:sp>
+      <p:pic>
+        <p:nvPicPr>
+          <p:cNvPr id="4" name="Picture 3">
+            <a:extLst>
+              <a:ext uri="{FF2B5EF4-FFF2-40B4-BE49-F238E27FC236}">
+                <a16:creationId xmlns:a16="http://schemas.microsoft.com/office/drawing/2014/main" id="{62B95855-0011-4C41-85E7-7C53E6198430}"/>
+              </a:ext>
+            </a:extLst>
+          </p:cNvPr>
+          <p:cNvPicPr>
+            <a:picLocks noChangeAspect="1"/>
+          </p:cNvPicPr>
+          <p:nvPr/>
+        </p:nvPicPr>
+        <p:blipFill>
+          <a:blip r:embed="rId2"/>
+          <a:stretch>
+            <a:fillRect/>
+          </a:stretch>
+        </p:blipFill>
+        <p:spPr>
+          <a:xfrm>
+            <a:off x="971550" y="1586706"/>
+            <a:ext cx="10553700" cy="4829175"/>
+          </a:xfrm>
+          <a:prstGeom prst="rect">
+            <a:avLst/>
+          </a:prstGeom>
+        </p:spPr>
+      </p:pic>
+    </p:spTree>
+    <p:extLst>
+      <p:ext uri="{BB962C8B-B14F-4D97-AF65-F5344CB8AC3E}">
+        <p14:creationId xmlns:p14="http://schemas.microsoft.com/office/powerpoint/2010/main" val="837967452"/>
+      </p:ext>
+    </p:extLst>
+  </p:cSld>
+  <p:clrMapOvr>
+    <a:masterClrMapping/>
+  </p:clrMapOvr>
+</p:sld>
+</file>
+
+<file path=ppt/slides/slide19.xml><?xml version="1.0" encoding="utf-8"?>
+<p:sld xmlns:a="http://schemas.openxmlformats.org/drawingml/2006/main" xmlns:r="http://schemas.openxmlformats.org/officeDocument/2006/relationships" xmlns:p="http://schemas.openxmlformats.org/presentationml/2006/main">
+  <p:cSld>
+    <p:spTree>
+      <p:nvGrpSpPr>
+        <p:cNvPr id="1" name=""/>
+        <p:cNvGrpSpPr/>
+        <p:nvPr/>
+      </p:nvGrpSpPr>
+      <p:grpSpPr>
+        <a:xfrm>
+          <a:off x="0" y="0"/>
+          <a:ext cx="0" cy="0"/>
+          <a:chOff x="0" y="0"/>
+          <a:chExt cx="0" cy="0"/>
+        </a:xfrm>
+      </p:grpSpPr>
+      <p:sp>
+        <p:nvSpPr>
+          <p:cNvPr id="2" name="Title 1">
+            <a:extLst>
+              <a:ext uri="{FF2B5EF4-FFF2-40B4-BE49-F238E27FC236}">
+                <a16:creationId xmlns:a16="http://schemas.microsoft.com/office/drawing/2014/main" id="{774A8299-994F-46E2-8E54-61E416D407AD}"/>
+              </a:ext>
+            </a:extLst>
+          </p:cNvPr>
+          <p:cNvSpPr>
+            <a:spLocks noGrp="1"/>
+          </p:cNvSpPr>
+          <p:nvPr>
+            <p:ph type="title"/>
+          </p:nvPr>
+        </p:nvSpPr>
+        <p:spPr/>
+        <p:txBody>
+          <a:bodyPr/>
+          <a:lstStyle/>
+          <a:p>
+            <a:r>
+              <a:rPr lang="en-US" altLang="zh-CN" dirty="0"/>
+              <a:t>FPGA Side</a:t>
+            </a:r>
+            <a:endParaRPr lang="zh-CN" altLang="en-US" dirty="0"/>
+          </a:p>
+        </p:txBody>
+      </p:sp>
+      <p:pic>
+        <p:nvPicPr>
+          <p:cNvPr id="4" name="Content Placeholder 3">
+            <a:extLst>
+              <a:ext uri="{FF2B5EF4-FFF2-40B4-BE49-F238E27FC236}">
+                <a16:creationId xmlns:a16="http://schemas.microsoft.com/office/drawing/2014/main" id="{565C0654-617E-4C1E-86E1-E2AE5CF146A0}"/>
+              </a:ext>
+            </a:extLst>
+          </p:cNvPr>
+          <p:cNvPicPr>
+            <a:picLocks noGrp="1" noChangeAspect="1"/>
+          </p:cNvPicPr>
+          <p:nvPr>
+            <p:ph idx="1"/>
+          </p:nvPr>
+        </p:nvPicPr>
+        <p:blipFill>
+          <a:blip r:embed="rId2"/>
+          <a:stretch>
+            <a:fillRect/>
+          </a:stretch>
+        </p:blipFill>
+        <p:spPr>
+          <a:xfrm>
+            <a:off x="982980" y="2506821"/>
+            <a:ext cx="5715000" cy="885825"/>
+          </a:xfrm>
+          <a:prstGeom prst="rect">
+            <a:avLst/>
+          </a:prstGeom>
+        </p:spPr>
+      </p:pic>
+      <p:sp>
+        <p:nvSpPr>
+          <p:cNvPr id="5" name="TextBox 4">
+            <a:extLst>
+              <a:ext uri="{FF2B5EF4-FFF2-40B4-BE49-F238E27FC236}">
+                <a16:creationId xmlns:a16="http://schemas.microsoft.com/office/drawing/2014/main" id="{D3206357-27D6-4773-B533-11BDB6CD6B33}"/>
+              </a:ext>
+            </a:extLst>
+          </p:cNvPr>
+          <p:cNvSpPr txBox="1"/>
+          <p:nvPr/>
+        </p:nvSpPr>
+        <p:spPr>
+          <a:xfrm>
+            <a:off x="982980" y="2063155"/>
+            <a:ext cx="3688080" cy="369332"/>
+          </a:xfrm>
+          <a:prstGeom prst="rect">
+            <a:avLst/>
+          </a:prstGeom>
+          <a:noFill/>
+        </p:spPr>
+        <p:txBody>
+          <a:bodyPr wrap="square" rtlCol="0">
+            <a:spAutoFit/>
+          </a:bodyPr>
+          <a:lstStyle/>
+          <a:p>
+            <a:r>
+              <a:rPr lang="en-US" altLang="zh-CN" dirty="0"/>
+              <a:t>Defining the Virtual Address Space</a:t>
+            </a:r>
+            <a:endParaRPr lang="zh-CN" altLang="en-US" dirty="0"/>
+          </a:p>
+        </p:txBody>
+      </p:sp>
+      <p:sp>
+        <p:nvSpPr>
+          <p:cNvPr id="6" name="TextBox 5">
+            <a:extLst>
+              <a:ext uri="{FF2B5EF4-FFF2-40B4-BE49-F238E27FC236}">
+                <a16:creationId xmlns:a16="http://schemas.microsoft.com/office/drawing/2014/main" id="{72323218-1C93-4459-B697-B22B8F806CD3}"/>
+              </a:ext>
+            </a:extLst>
+          </p:cNvPr>
+          <p:cNvSpPr txBox="1"/>
+          <p:nvPr/>
+        </p:nvSpPr>
+        <p:spPr>
+          <a:xfrm>
+            <a:off x="982980" y="3695700"/>
+            <a:ext cx="8077200" cy="646331"/>
+          </a:xfrm>
+          <a:prstGeom prst="rect">
+            <a:avLst/>
+          </a:prstGeom>
+          <a:noFill/>
+        </p:spPr>
+        <p:txBody>
+          <a:bodyPr wrap="square" rtlCol="0">
+            <a:spAutoFit/>
+          </a:bodyPr>
+          <a:lstStyle/>
+          <a:p>
+            <a:r>
+              <a:rPr lang="en-US" altLang="zh-CN" dirty="0"/>
+              <a:t>Generated the block diagram from previous slide. Then created and instantiated the wrapper in my neural_net_top.sv file and forward inputs/outputs</a:t>
+            </a:r>
+            <a:endParaRPr lang="zh-CN" altLang="en-US" dirty="0"/>
+          </a:p>
+        </p:txBody>
+      </p:sp>
+      <p:pic>
+        <p:nvPicPr>
+          <p:cNvPr id="7" name="Picture 6">
+            <a:extLst>
+              <a:ext uri="{FF2B5EF4-FFF2-40B4-BE49-F238E27FC236}">
+                <a16:creationId xmlns:a16="http://schemas.microsoft.com/office/drawing/2014/main" id="{028FC28B-B3B6-49BF-B4AE-1749EBC7EB69}"/>
+              </a:ext>
+            </a:extLst>
+          </p:cNvPr>
+          <p:cNvPicPr>
+            <a:picLocks noChangeAspect="1"/>
+          </p:cNvPicPr>
+          <p:nvPr/>
+        </p:nvPicPr>
+        <p:blipFill>
+          <a:blip r:embed="rId3"/>
+          <a:stretch>
+            <a:fillRect/>
+          </a:stretch>
+        </p:blipFill>
+        <p:spPr>
+          <a:xfrm>
+            <a:off x="1039177" y="4645085"/>
+            <a:ext cx="2600325" cy="1190625"/>
+          </a:xfrm>
+          <a:prstGeom prst="rect">
+            <a:avLst/>
+          </a:prstGeom>
+        </p:spPr>
+      </p:pic>
+      <p:pic>
+        <p:nvPicPr>
+          <p:cNvPr id="8" name="Picture 7">
+            <a:extLst>
+              <a:ext uri="{FF2B5EF4-FFF2-40B4-BE49-F238E27FC236}">
+                <a16:creationId xmlns:a16="http://schemas.microsoft.com/office/drawing/2014/main" id="{680B2942-4EAD-439D-9888-7ED8BDBCB0A5}"/>
+              </a:ext>
+            </a:extLst>
+          </p:cNvPr>
+          <p:cNvPicPr>
+            <a:picLocks noChangeAspect="1"/>
+          </p:cNvPicPr>
+          <p:nvPr/>
+        </p:nvPicPr>
+        <p:blipFill>
+          <a:blip r:embed="rId4"/>
+          <a:stretch>
+            <a:fillRect/>
+          </a:stretch>
+        </p:blipFill>
+        <p:spPr>
+          <a:xfrm>
+            <a:off x="4538662" y="4645085"/>
+            <a:ext cx="3114675" cy="1171575"/>
+          </a:xfrm>
+          <a:prstGeom prst="rect">
+            <a:avLst/>
+          </a:prstGeom>
+        </p:spPr>
+      </p:pic>
+      <p:sp>
+        <p:nvSpPr>
+          <p:cNvPr id="9" name="TextBox 8">
+            <a:extLst>
+              <a:ext uri="{FF2B5EF4-FFF2-40B4-BE49-F238E27FC236}">
+                <a16:creationId xmlns:a16="http://schemas.microsoft.com/office/drawing/2014/main" id="{99F652B1-A9E6-4CDA-989B-6DE1A31997AB}"/>
+              </a:ext>
+            </a:extLst>
+          </p:cNvPr>
+          <p:cNvSpPr txBox="1"/>
+          <p:nvPr/>
+        </p:nvSpPr>
+        <p:spPr>
+          <a:xfrm>
+            <a:off x="3261360" y="4342031"/>
+            <a:ext cx="8077200" cy="369332"/>
+          </a:xfrm>
+          <a:prstGeom prst="rect">
+            <a:avLst/>
+          </a:prstGeom>
+          <a:noFill/>
+        </p:spPr>
+        <p:txBody>
+          <a:bodyPr wrap="square" rtlCol="0">
+            <a:spAutoFit/>
+          </a:bodyPr>
+          <a:lstStyle/>
+          <a:p>
+            <a:r>
+              <a:rPr lang="en-US" altLang="zh-CN" dirty="0"/>
+              <a:t>In neural_net_top.sv</a:t>
+            </a:r>
+          </a:p>
+        </p:txBody>
+      </p:sp>
+    </p:spTree>
+    <p:extLst>
+      <p:ext uri="{BB962C8B-B14F-4D97-AF65-F5344CB8AC3E}">
+        <p14:creationId xmlns:p14="http://schemas.microsoft.com/office/powerpoint/2010/main" val="471581352"/>
       </p:ext>
     </p:extLst>
   </p:cSld>
@@ -4365,6 +5825,653 @@
     <p:extLst>
       <p:ext uri="{BB962C8B-B14F-4D97-AF65-F5344CB8AC3E}">
         <p14:creationId xmlns:p14="http://schemas.microsoft.com/office/powerpoint/2010/main" val="633369950"/>
+      </p:ext>
+    </p:extLst>
+  </p:cSld>
+  <p:clrMapOvr>
+    <a:masterClrMapping/>
+  </p:clrMapOvr>
+</p:sld>
+</file>
+
+<file path=ppt/slides/slide20.xml><?xml version="1.0" encoding="utf-8"?>
+<p:sld xmlns:a="http://schemas.openxmlformats.org/drawingml/2006/main" xmlns:r="http://schemas.openxmlformats.org/officeDocument/2006/relationships" xmlns:p="http://schemas.openxmlformats.org/presentationml/2006/main">
+  <p:cSld>
+    <p:spTree>
+      <p:nvGrpSpPr>
+        <p:cNvPr id="1" name=""/>
+        <p:cNvGrpSpPr/>
+        <p:nvPr/>
+      </p:nvGrpSpPr>
+      <p:grpSpPr>
+        <a:xfrm>
+          <a:off x="0" y="0"/>
+          <a:ext cx="0" cy="0"/>
+          <a:chOff x="0" y="0"/>
+          <a:chExt cx="0" cy="0"/>
+        </a:xfrm>
+      </p:grpSpPr>
+      <p:sp>
+        <p:nvSpPr>
+          <p:cNvPr id="2" name="Title 1">
+            <a:extLst>
+              <a:ext uri="{FF2B5EF4-FFF2-40B4-BE49-F238E27FC236}">
+                <a16:creationId xmlns:a16="http://schemas.microsoft.com/office/drawing/2014/main" id="{C95B93CD-86C3-4D54-A327-6ABA3FC1BCB4}"/>
+              </a:ext>
+            </a:extLst>
+          </p:cNvPr>
+          <p:cNvSpPr>
+            <a:spLocks noGrp="1"/>
+          </p:cNvSpPr>
+          <p:nvPr>
+            <p:ph type="title"/>
+          </p:nvPr>
+        </p:nvSpPr>
+        <p:spPr/>
+        <p:txBody>
+          <a:bodyPr/>
+          <a:lstStyle/>
+          <a:p>
+            <a:r>
+              <a:rPr lang="en-US" altLang="zh-CN" dirty="0"/>
+              <a:t>ARM Core</a:t>
+            </a:r>
+            <a:endParaRPr lang="zh-CN" altLang="en-US" dirty="0"/>
+          </a:p>
+        </p:txBody>
+      </p:sp>
+      <p:pic>
+        <p:nvPicPr>
+          <p:cNvPr id="5" name="Picture 4">
+            <a:extLst>
+              <a:ext uri="{FF2B5EF4-FFF2-40B4-BE49-F238E27FC236}">
+                <a16:creationId xmlns:a16="http://schemas.microsoft.com/office/drawing/2014/main" id="{CB61D092-1865-4A12-9DA5-852674C3B0FE}"/>
+              </a:ext>
+            </a:extLst>
+          </p:cNvPr>
+          <p:cNvPicPr>
+            <a:picLocks noChangeAspect="1"/>
+          </p:cNvPicPr>
+          <p:nvPr/>
+        </p:nvPicPr>
+        <p:blipFill>
+          <a:blip r:embed="rId2"/>
+          <a:stretch>
+            <a:fillRect/>
+          </a:stretch>
+        </p:blipFill>
+        <p:spPr>
+          <a:xfrm>
+            <a:off x="489585" y="5248716"/>
+            <a:ext cx="11374755" cy="534070"/>
+          </a:xfrm>
+          <a:prstGeom prst="rect">
+            <a:avLst/>
+          </a:prstGeom>
+        </p:spPr>
+      </p:pic>
+      <p:pic>
+        <p:nvPicPr>
+          <p:cNvPr id="6" name="Picture 5">
+            <a:extLst>
+              <a:ext uri="{FF2B5EF4-FFF2-40B4-BE49-F238E27FC236}">
+                <a16:creationId xmlns:a16="http://schemas.microsoft.com/office/drawing/2014/main" id="{7F83FE9D-0F05-4BF5-AFA1-74DE30336C88}"/>
+              </a:ext>
+            </a:extLst>
+          </p:cNvPr>
+          <p:cNvPicPr>
+            <a:picLocks noChangeAspect="1"/>
+          </p:cNvPicPr>
+          <p:nvPr/>
+        </p:nvPicPr>
+        <p:blipFill>
+          <a:blip r:embed="rId3"/>
+          <a:stretch>
+            <a:fillRect/>
+          </a:stretch>
+        </p:blipFill>
+        <p:spPr>
+          <a:xfrm>
+            <a:off x="489585" y="1881943"/>
+            <a:ext cx="6522718" cy="3166662"/>
+          </a:xfrm>
+          <a:prstGeom prst="rect">
+            <a:avLst/>
+          </a:prstGeom>
+        </p:spPr>
+      </p:pic>
+    </p:spTree>
+    <p:extLst>
+      <p:ext uri="{BB962C8B-B14F-4D97-AF65-F5344CB8AC3E}">
+        <p14:creationId xmlns:p14="http://schemas.microsoft.com/office/powerpoint/2010/main" val="2113363054"/>
+      </p:ext>
+    </p:extLst>
+  </p:cSld>
+  <p:clrMapOvr>
+    <a:masterClrMapping/>
+  </p:clrMapOvr>
+</p:sld>
+</file>
+
+<file path=ppt/slides/slide21.xml><?xml version="1.0" encoding="utf-8"?>
+<p:sld xmlns:a="http://schemas.openxmlformats.org/drawingml/2006/main" xmlns:r="http://schemas.openxmlformats.org/officeDocument/2006/relationships" xmlns:p="http://schemas.openxmlformats.org/presentationml/2006/main">
+  <p:cSld>
+    <p:spTree>
+      <p:nvGrpSpPr>
+        <p:cNvPr id="1" name=""/>
+        <p:cNvGrpSpPr/>
+        <p:nvPr/>
+      </p:nvGrpSpPr>
+      <p:grpSpPr>
+        <a:xfrm>
+          <a:off x="0" y="0"/>
+          <a:ext cx="0" cy="0"/>
+          <a:chOff x="0" y="0"/>
+          <a:chExt cx="0" cy="0"/>
+        </a:xfrm>
+      </p:grpSpPr>
+      <p:sp>
+        <p:nvSpPr>
+          <p:cNvPr id="2" name="Title 1">
+            <a:extLst>
+              <a:ext uri="{FF2B5EF4-FFF2-40B4-BE49-F238E27FC236}">
+                <a16:creationId xmlns:a16="http://schemas.microsoft.com/office/drawing/2014/main" id="{6FAAD5E0-55BC-4195-B57C-F2D63F1C8DC9}"/>
+              </a:ext>
+            </a:extLst>
+          </p:cNvPr>
+          <p:cNvSpPr>
+            <a:spLocks noGrp="1"/>
+          </p:cNvSpPr>
+          <p:nvPr>
+            <p:ph type="title"/>
+          </p:nvPr>
+        </p:nvSpPr>
+        <p:spPr/>
+        <p:txBody>
+          <a:bodyPr/>
+          <a:lstStyle/>
+          <a:p>
+            <a:r>
+              <a:rPr lang="en-US" altLang="zh-CN" dirty="0"/>
+              <a:t>Training Programs</a:t>
+            </a:r>
+            <a:endParaRPr lang="zh-CN" altLang="en-US" dirty="0"/>
+          </a:p>
+        </p:txBody>
+      </p:sp>
+      <p:sp>
+        <p:nvSpPr>
+          <p:cNvPr id="3" name="Content Placeholder 2">
+            <a:extLst>
+              <a:ext uri="{FF2B5EF4-FFF2-40B4-BE49-F238E27FC236}">
+                <a16:creationId xmlns:a16="http://schemas.microsoft.com/office/drawing/2014/main" id="{62ED175C-62B5-4C64-826A-5D8AD95EF4B1}"/>
+              </a:ext>
+            </a:extLst>
+          </p:cNvPr>
+          <p:cNvSpPr>
+            <a:spLocks noGrp="1"/>
+          </p:cNvSpPr>
+          <p:nvPr>
+            <p:ph idx="1"/>
+          </p:nvPr>
+        </p:nvSpPr>
+        <p:spPr/>
+        <p:txBody>
+          <a:bodyPr/>
+          <a:lstStyle/>
+          <a:p>
+            <a:r>
+              <a:rPr lang="en-US" altLang="zh-CN" dirty="0"/>
+              <a:t>Easier to show than put on slide</a:t>
+            </a:r>
+            <a:endParaRPr lang="zh-CN" altLang="en-US" dirty="0"/>
+          </a:p>
+        </p:txBody>
+      </p:sp>
+    </p:spTree>
+    <p:extLst>
+      <p:ext uri="{BB962C8B-B14F-4D97-AF65-F5344CB8AC3E}">
+        <p14:creationId xmlns:p14="http://schemas.microsoft.com/office/powerpoint/2010/main" val="2456856677"/>
+      </p:ext>
+    </p:extLst>
+  </p:cSld>
+  <p:clrMapOvr>
+    <a:masterClrMapping/>
+  </p:clrMapOvr>
+</p:sld>
+</file>
+
+<file path=ppt/slides/slide22.xml><?xml version="1.0" encoding="utf-8"?>
+<p:sld xmlns:a="http://schemas.openxmlformats.org/drawingml/2006/main" xmlns:r="http://schemas.openxmlformats.org/officeDocument/2006/relationships" xmlns:p="http://schemas.openxmlformats.org/presentationml/2006/main">
+  <p:cSld>
+    <p:spTree>
+      <p:nvGrpSpPr>
+        <p:cNvPr id="1" name=""/>
+        <p:cNvGrpSpPr/>
+        <p:nvPr/>
+      </p:nvGrpSpPr>
+      <p:grpSpPr>
+        <a:xfrm>
+          <a:off x="0" y="0"/>
+          <a:ext cx="0" cy="0"/>
+          <a:chOff x="0" y="0"/>
+          <a:chExt cx="0" cy="0"/>
+        </a:xfrm>
+      </p:grpSpPr>
+      <p:sp>
+        <p:nvSpPr>
+          <p:cNvPr id="2" name="Title 1">
+            <a:extLst>
+              <a:ext uri="{FF2B5EF4-FFF2-40B4-BE49-F238E27FC236}">
+                <a16:creationId xmlns:a16="http://schemas.microsoft.com/office/drawing/2014/main" id="{2422263B-3288-4EF0-B0A4-96CFC89E35C0}"/>
+              </a:ext>
+            </a:extLst>
+          </p:cNvPr>
+          <p:cNvSpPr>
+            <a:spLocks noGrp="1"/>
+          </p:cNvSpPr>
+          <p:nvPr>
+            <p:ph type="title"/>
+          </p:nvPr>
+        </p:nvSpPr>
+        <p:spPr/>
+        <p:txBody>
+          <a:bodyPr/>
+          <a:lstStyle/>
+          <a:p>
+            <a:r>
+              <a:rPr lang="en-US" altLang="zh-CN" dirty="0"/>
+              <a:t>Customized Boot Images</a:t>
+            </a:r>
+            <a:endParaRPr lang="zh-CN" altLang="en-US" dirty="0"/>
+          </a:p>
+        </p:txBody>
+      </p:sp>
+      <p:sp>
+        <p:nvSpPr>
+          <p:cNvPr id="3" name="Content Placeholder 2">
+            <a:extLst>
+              <a:ext uri="{FF2B5EF4-FFF2-40B4-BE49-F238E27FC236}">
+                <a16:creationId xmlns:a16="http://schemas.microsoft.com/office/drawing/2014/main" id="{B81C42C1-14E9-47CA-8080-415C84D1C653}"/>
+              </a:ext>
+            </a:extLst>
+          </p:cNvPr>
+          <p:cNvSpPr>
+            <a:spLocks noGrp="1"/>
+          </p:cNvSpPr>
+          <p:nvPr>
+            <p:ph idx="1"/>
+          </p:nvPr>
+        </p:nvSpPr>
+        <p:spPr/>
+        <p:txBody>
+          <a:bodyPr/>
+          <a:lstStyle/>
+          <a:p>
+            <a:r>
+              <a:rPr lang="en-US" altLang="zh-CN" dirty="0"/>
+              <a:t>Exported hardware to Xilinx SDK, allows me to create a boot image with first-stage boot loader, bitstream, and U-Boot </a:t>
+            </a:r>
+          </a:p>
+          <a:p>
+            <a:endParaRPr lang="en-US" altLang="zh-CN" dirty="0"/>
+          </a:p>
+          <a:p>
+            <a:r>
+              <a:rPr lang="en-US" altLang="zh-CN" dirty="0"/>
+              <a:t>Then put on a root file system and </a:t>
+            </a:r>
+            <a:r>
+              <a:rPr lang="en-US" altLang="zh-CN" dirty="0" err="1"/>
+              <a:t>PetaLinux</a:t>
+            </a:r>
+            <a:r>
+              <a:rPr lang="en-US" altLang="zh-CN" dirty="0"/>
+              <a:t> image</a:t>
+            </a:r>
+          </a:p>
+          <a:p>
+            <a:endParaRPr lang="en-US" altLang="zh-CN" dirty="0"/>
+          </a:p>
+          <a:p>
+            <a:r>
+              <a:rPr lang="en-US" altLang="zh-CN" dirty="0"/>
+              <a:t>Root file system could be modified in a </a:t>
+            </a:r>
+            <a:r>
+              <a:rPr lang="en-US" altLang="zh-CN" dirty="0" err="1"/>
+              <a:t>linux</a:t>
+            </a:r>
+            <a:r>
+              <a:rPr lang="en-US" altLang="zh-CN" dirty="0"/>
+              <a:t> distribution, modified </a:t>
+            </a:r>
+            <a:r>
+              <a:rPr lang="en-US" altLang="zh-CN" dirty="0" err="1"/>
+              <a:t>init.d</a:t>
+            </a:r>
+            <a:r>
+              <a:rPr lang="en-US" altLang="zh-CN" dirty="0"/>
+              <a:t>/</a:t>
+            </a:r>
+            <a:r>
+              <a:rPr lang="en-US" altLang="zh-CN" dirty="0" err="1"/>
+              <a:t>rcS</a:t>
+            </a:r>
+            <a:r>
+              <a:rPr lang="en-US" altLang="zh-CN" dirty="0"/>
+              <a:t> to assign the </a:t>
+            </a:r>
+            <a:r>
+              <a:rPr lang="en-US" altLang="zh-CN" dirty="0" err="1"/>
+              <a:t>Zedboard</a:t>
+            </a:r>
+            <a:r>
+              <a:rPr lang="en-US" altLang="zh-CN" dirty="0"/>
+              <a:t> an IP of 192.168.1.10 for SCP/SSH and to mount the SD card</a:t>
+            </a:r>
+          </a:p>
+          <a:p>
+            <a:endParaRPr lang="zh-CN" altLang="en-US" dirty="0"/>
+          </a:p>
+        </p:txBody>
+      </p:sp>
+    </p:spTree>
+    <p:extLst>
+      <p:ext uri="{BB962C8B-B14F-4D97-AF65-F5344CB8AC3E}">
+        <p14:creationId xmlns:p14="http://schemas.microsoft.com/office/powerpoint/2010/main" val="2240896505"/>
+      </p:ext>
+    </p:extLst>
+  </p:cSld>
+  <p:clrMapOvr>
+    <a:masterClrMapping/>
+  </p:clrMapOvr>
+</p:sld>
+</file>
+
+<file path=ppt/slides/slide23.xml><?xml version="1.0" encoding="utf-8"?>
+<p:sld xmlns:a="http://schemas.openxmlformats.org/drawingml/2006/main" xmlns:r="http://schemas.openxmlformats.org/officeDocument/2006/relationships" xmlns:p="http://schemas.openxmlformats.org/presentationml/2006/main">
+  <p:cSld>
+    <p:spTree>
+      <p:nvGrpSpPr>
+        <p:cNvPr id="1" name=""/>
+        <p:cNvGrpSpPr/>
+        <p:nvPr/>
+      </p:nvGrpSpPr>
+      <p:grpSpPr>
+        <a:xfrm>
+          <a:off x="0" y="0"/>
+          <a:ext cx="0" cy="0"/>
+          <a:chOff x="0" y="0"/>
+          <a:chExt cx="0" cy="0"/>
+        </a:xfrm>
+      </p:grpSpPr>
+      <p:sp>
+        <p:nvSpPr>
+          <p:cNvPr id="2" name="Title 1">
+            <a:extLst>
+              <a:ext uri="{FF2B5EF4-FFF2-40B4-BE49-F238E27FC236}">
+                <a16:creationId xmlns:a16="http://schemas.microsoft.com/office/drawing/2014/main" id="{73D0FEC6-418A-46A1-A20D-7AA11122D7DA}"/>
+              </a:ext>
+            </a:extLst>
+          </p:cNvPr>
+          <p:cNvSpPr>
+            <a:spLocks noGrp="1"/>
+          </p:cNvSpPr>
+          <p:nvPr>
+            <p:ph type="title"/>
+          </p:nvPr>
+        </p:nvSpPr>
+        <p:spPr/>
+        <p:txBody>
+          <a:bodyPr/>
+          <a:lstStyle/>
+          <a:p>
+            <a:r>
+              <a:rPr lang="en-US" altLang="zh-CN" dirty="0"/>
+              <a:t>Power measurements?</a:t>
+            </a:r>
+            <a:endParaRPr lang="zh-CN" altLang="en-US" dirty="0"/>
+          </a:p>
+        </p:txBody>
+      </p:sp>
+      <p:sp>
+        <p:nvSpPr>
+          <p:cNvPr id="3" name="Content Placeholder 2">
+            <a:extLst>
+              <a:ext uri="{FF2B5EF4-FFF2-40B4-BE49-F238E27FC236}">
+                <a16:creationId xmlns:a16="http://schemas.microsoft.com/office/drawing/2014/main" id="{B4E9C946-28E7-4699-9AD0-920C887AE028}"/>
+              </a:ext>
+            </a:extLst>
+          </p:cNvPr>
+          <p:cNvSpPr>
+            <a:spLocks noGrp="1"/>
+          </p:cNvSpPr>
+          <p:nvPr>
+            <p:ph idx="1"/>
+          </p:nvPr>
+        </p:nvSpPr>
+        <p:spPr/>
+        <p:txBody>
+          <a:bodyPr/>
+          <a:lstStyle/>
+          <a:p>
+            <a:r>
+              <a:rPr lang="en-US" altLang="zh-CN" dirty="0"/>
+              <a:t>Will I be able to do this now that I have something benchmarkable running? </a:t>
+            </a:r>
+            <a:endParaRPr lang="zh-CN" altLang="en-US" dirty="0"/>
+          </a:p>
+        </p:txBody>
+      </p:sp>
+    </p:spTree>
+    <p:extLst>
+      <p:ext uri="{BB962C8B-B14F-4D97-AF65-F5344CB8AC3E}">
+        <p14:creationId xmlns:p14="http://schemas.microsoft.com/office/powerpoint/2010/main" val="2882128190"/>
+      </p:ext>
+    </p:extLst>
+  </p:cSld>
+  <p:clrMapOvr>
+    <a:masterClrMapping/>
+  </p:clrMapOvr>
+</p:sld>
+</file>
+
+<file path=ppt/slides/slide24.xml><?xml version="1.0" encoding="utf-8"?>
+<p:sld xmlns:a="http://schemas.openxmlformats.org/drawingml/2006/main" xmlns:r="http://schemas.openxmlformats.org/officeDocument/2006/relationships" xmlns:p="http://schemas.openxmlformats.org/presentationml/2006/main">
+  <p:cSld>
+    <p:spTree>
+      <p:nvGrpSpPr>
+        <p:cNvPr id="1" name=""/>
+        <p:cNvGrpSpPr/>
+        <p:nvPr/>
+      </p:nvGrpSpPr>
+      <p:grpSpPr>
+        <a:xfrm>
+          <a:off x="0" y="0"/>
+          <a:ext cx="0" cy="0"/>
+          <a:chOff x="0" y="0"/>
+          <a:chExt cx="0" cy="0"/>
+        </a:xfrm>
+      </p:grpSpPr>
+      <p:sp>
+        <p:nvSpPr>
+          <p:cNvPr id="2" name="Title 1">
+            <a:extLst>
+              <a:ext uri="{FF2B5EF4-FFF2-40B4-BE49-F238E27FC236}">
+                <a16:creationId xmlns:a16="http://schemas.microsoft.com/office/drawing/2014/main" id="{35138F0F-13BF-47A5-9F6C-4438C0B46D85}"/>
+              </a:ext>
+            </a:extLst>
+          </p:cNvPr>
+          <p:cNvSpPr>
+            <a:spLocks noGrp="1"/>
+          </p:cNvSpPr>
+          <p:nvPr>
+            <p:ph type="title"/>
+          </p:nvPr>
+        </p:nvSpPr>
+        <p:spPr/>
+        <p:txBody>
+          <a:bodyPr/>
+          <a:lstStyle/>
+          <a:p>
+            <a:r>
+              <a:rPr lang="en-US" altLang="zh-CN" dirty="0"/>
+              <a:t>Report Writing</a:t>
+            </a:r>
+            <a:endParaRPr lang="zh-CN" altLang="en-US" dirty="0"/>
+          </a:p>
+        </p:txBody>
+      </p:sp>
+      <p:sp>
+        <p:nvSpPr>
+          <p:cNvPr id="3" name="Content Placeholder 2">
+            <a:extLst>
+              <a:ext uri="{FF2B5EF4-FFF2-40B4-BE49-F238E27FC236}">
+                <a16:creationId xmlns:a16="http://schemas.microsoft.com/office/drawing/2014/main" id="{A673F786-076E-4124-9A77-D6B4AE452C34}"/>
+              </a:ext>
+            </a:extLst>
+          </p:cNvPr>
+          <p:cNvSpPr>
+            <a:spLocks noGrp="1"/>
+          </p:cNvSpPr>
+          <p:nvPr>
+            <p:ph idx="1"/>
+          </p:nvPr>
+        </p:nvSpPr>
+        <p:spPr/>
+        <p:txBody>
+          <a:bodyPr/>
+          <a:lstStyle/>
+          <a:p>
+            <a:r>
+              <a:rPr lang="en-US" altLang="zh-CN" dirty="0"/>
+              <a:t>Have about 15 pages written so far, now that I’ve finished most of what I want to do, can put most time into that. Would ideally like to increase precision on FPGA, but 2 concerns, 1 being time and 1 being that the resource usage might be too high if I increase precision:</a:t>
+            </a:r>
+            <a:endParaRPr lang="zh-CN" altLang="en-US" dirty="0"/>
+          </a:p>
+        </p:txBody>
+      </p:sp>
+      <p:pic>
+        <p:nvPicPr>
+          <p:cNvPr id="4" name="Picture 3">
+            <a:extLst>
+              <a:ext uri="{FF2B5EF4-FFF2-40B4-BE49-F238E27FC236}">
+                <a16:creationId xmlns:a16="http://schemas.microsoft.com/office/drawing/2014/main" id="{F9BE37D0-E586-4DFA-B221-648B94FBF2F4}"/>
+              </a:ext>
+            </a:extLst>
+          </p:cNvPr>
+          <p:cNvPicPr>
+            <a:picLocks noChangeAspect="1"/>
+          </p:cNvPicPr>
+          <p:nvPr/>
+        </p:nvPicPr>
+        <p:blipFill>
+          <a:blip r:embed="rId2"/>
+          <a:stretch>
+            <a:fillRect/>
+          </a:stretch>
+        </p:blipFill>
+        <p:spPr>
+          <a:xfrm>
+            <a:off x="3305175" y="3492500"/>
+            <a:ext cx="5581650" cy="3000375"/>
+          </a:xfrm>
+          <a:prstGeom prst="rect">
+            <a:avLst/>
+          </a:prstGeom>
+        </p:spPr>
+      </p:pic>
+    </p:spTree>
+    <p:extLst>
+      <p:ext uri="{BB962C8B-B14F-4D97-AF65-F5344CB8AC3E}">
+        <p14:creationId xmlns:p14="http://schemas.microsoft.com/office/powerpoint/2010/main" val="3874026980"/>
+      </p:ext>
+    </p:extLst>
+  </p:cSld>
+  <p:clrMapOvr>
+    <a:masterClrMapping/>
+  </p:clrMapOvr>
+</p:sld>
+</file>
+
+<file path=ppt/slides/slide25.xml><?xml version="1.0" encoding="utf-8"?>
+<p:sld xmlns:a="http://schemas.openxmlformats.org/drawingml/2006/main" xmlns:r="http://schemas.openxmlformats.org/officeDocument/2006/relationships" xmlns:p="http://schemas.openxmlformats.org/presentationml/2006/main">
+  <p:cSld>
+    <p:spTree>
+      <p:nvGrpSpPr>
+        <p:cNvPr id="1" name=""/>
+        <p:cNvGrpSpPr/>
+        <p:nvPr/>
+      </p:nvGrpSpPr>
+      <p:grpSpPr>
+        <a:xfrm>
+          <a:off x="0" y="0"/>
+          <a:ext cx="0" cy="0"/>
+          <a:chOff x="0" y="0"/>
+          <a:chExt cx="0" cy="0"/>
+        </a:xfrm>
+      </p:grpSpPr>
+      <p:sp>
+        <p:nvSpPr>
+          <p:cNvPr id="2" name="Title 1">
+            <a:extLst>
+              <a:ext uri="{FF2B5EF4-FFF2-40B4-BE49-F238E27FC236}">
+                <a16:creationId xmlns:a16="http://schemas.microsoft.com/office/drawing/2014/main" id="{AD26A2D8-5869-4DF3-B9BF-56096FF9AC52}"/>
+              </a:ext>
+            </a:extLst>
+          </p:cNvPr>
+          <p:cNvSpPr>
+            <a:spLocks noGrp="1"/>
+          </p:cNvSpPr>
+          <p:nvPr>
+            <p:ph type="title"/>
+          </p:nvPr>
+        </p:nvSpPr>
+        <p:spPr/>
+        <p:txBody>
+          <a:bodyPr/>
+          <a:lstStyle/>
+          <a:p>
+            <a:r>
+              <a:rPr lang="en-US" dirty="0"/>
+              <a:t>Exam Date</a:t>
+            </a:r>
+          </a:p>
+        </p:txBody>
+      </p:sp>
+      <p:sp>
+        <p:nvSpPr>
+          <p:cNvPr id="3" name="Content Placeholder 2">
+            <a:extLst>
+              <a:ext uri="{FF2B5EF4-FFF2-40B4-BE49-F238E27FC236}">
+                <a16:creationId xmlns:a16="http://schemas.microsoft.com/office/drawing/2014/main" id="{037051C9-5AEE-4626-A93C-EA08C0FEAA0E}"/>
+              </a:ext>
+            </a:extLst>
+          </p:cNvPr>
+          <p:cNvSpPr>
+            <a:spLocks noGrp="1"/>
+          </p:cNvSpPr>
+          <p:nvPr>
+            <p:ph idx="1"/>
+          </p:nvPr>
+        </p:nvSpPr>
+        <p:spPr/>
+        <p:txBody>
+          <a:bodyPr/>
+          <a:lstStyle/>
+          <a:p>
+            <a:r>
+              <a:rPr lang="en-US" dirty="0"/>
+              <a:t>Seems we have confirmed for July 8! Very happy to hear, will wait for confirmation of the time slot.</a:t>
+            </a:r>
+          </a:p>
+        </p:txBody>
+      </p:sp>
+    </p:spTree>
+    <p:extLst>
+      <p:ext uri="{BB962C8B-B14F-4D97-AF65-F5344CB8AC3E}">
+        <p14:creationId xmlns:p14="http://schemas.microsoft.com/office/powerpoint/2010/main" val="2818833863"/>
       </p:ext>
     </p:extLst>
   </p:cSld>

--- a/WeeklyPresentations/update12_06_13.pptx
+++ b/WeeklyPresentations/update12_06_13.pptx
@@ -284,7 +284,7 @@
             <a:fld id="{B61BEF0D-F0BB-DE4B-95CE-6DB70DBA9567}" type="datetimeFigureOut">
               <a:rPr lang="en-US" smtClean="0"/>
               <a:pPr/>
-              <a:t>6/13/2019</a:t>
+              <a:t>6/16/2019</a:t>
             </a:fld>
             <a:endParaRPr lang="en-US" dirty="0"/>
           </a:p>
@@ -484,7 +484,7 @@
             <a:fld id="{B61BEF0D-F0BB-DE4B-95CE-6DB70DBA9567}" type="datetimeFigureOut">
               <a:rPr lang="en-US" smtClean="0"/>
               <a:pPr/>
-              <a:t>6/13/2019</a:t>
+              <a:t>6/16/2019</a:t>
             </a:fld>
             <a:endParaRPr lang="en-US" dirty="0"/>
           </a:p>
@@ -694,7 +694,7 @@
             <a:fld id="{B61BEF0D-F0BB-DE4B-95CE-6DB70DBA9567}" type="datetimeFigureOut">
               <a:rPr lang="en-US" smtClean="0"/>
               <a:pPr/>
-              <a:t>6/13/2019</a:t>
+              <a:t>6/16/2019</a:t>
             </a:fld>
             <a:endParaRPr lang="en-US" dirty="0"/>
           </a:p>
@@ -894,7 +894,7 @@
             <a:fld id="{B61BEF0D-F0BB-DE4B-95CE-6DB70DBA9567}" type="datetimeFigureOut">
               <a:rPr lang="en-US" smtClean="0"/>
               <a:pPr/>
-              <a:t>6/13/2019</a:t>
+              <a:t>6/16/2019</a:t>
             </a:fld>
             <a:endParaRPr lang="en-US" dirty="0"/>
           </a:p>
@@ -1171,7 +1171,7 @@
             <a:fld id="{B61BEF0D-F0BB-DE4B-95CE-6DB70DBA9567}" type="datetimeFigureOut">
               <a:rPr lang="en-US" smtClean="0"/>
               <a:pPr/>
-              <a:t>6/13/2019</a:t>
+              <a:t>6/16/2019</a:t>
             </a:fld>
             <a:endParaRPr lang="en-US" dirty="0"/>
           </a:p>
@@ -1438,7 +1438,7 @@
             <a:fld id="{B61BEF0D-F0BB-DE4B-95CE-6DB70DBA9567}" type="datetimeFigureOut">
               <a:rPr lang="en-US" smtClean="0"/>
               <a:pPr/>
-              <a:t>6/13/2019</a:t>
+              <a:t>6/16/2019</a:t>
             </a:fld>
             <a:endParaRPr lang="en-US" dirty="0"/>
           </a:p>
@@ -1852,7 +1852,7 @@
             <a:fld id="{B61BEF0D-F0BB-DE4B-95CE-6DB70DBA9567}" type="datetimeFigureOut">
               <a:rPr lang="en-US" smtClean="0"/>
               <a:pPr/>
-              <a:t>6/13/2019</a:t>
+              <a:t>6/16/2019</a:t>
             </a:fld>
             <a:endParaRPr lang="en-US" dirty="0"/>
           </a:p>
@@ -1995,7 +1995,7 @@
             <a:fld id="{B61BEF0D-F0BB-DE4B-95CE-6DB70DBA9567}" type="datetimeFigureOut">
               <a:rPr lang="en-US" smtClean="0"/>
               <a:pPr/>
-              <a:t>6/13/2019</a:t>
+              <a:t>6/16/2019</a:t>
             </a:fld>
             <a:endParaRPr lang="en-US" dirty="0"/>
           </a:p>
@@ -2110,7 +2110,7 @@
             <a:fld id="{B61BEF0D-F0BB-DE4B-95CE-6DB70DBA9567}" type="datetimeFigureOut">
               <a:rPr lang="en-US" smtClean="0"/>
               <a:pPr/>
-              <a:t>6/13/2019</a:t>
+              <a:t>6/16/2019</a:t>
             </a:fld>
             <a:endParaRPr lang="en-US" dirty="0"/>
           </a:p>
@@ -2423,7 +2423,7 @@
             <a:fld id="{B61BEF0D-F0BB-DE4B-95CE-6DB70DBA9567}" type="datetimeFigureOut">
               <a:rPr lang="en-US" smtClean="0"/>
               <a:pPr/>
-              <a:t>6/13/2019</a:t>
+              <a:t>6/16/2019</a:t>
             </a:fld>
             <a:endParaRPr lang="en-US" dirty="0"/>
           </a:p>
@@ -2713,7 +2713,7 @@
             <a:fld id="{B61BEF0D-F0BB-DE4B-95CE-6DB70DBA9567}" type="datetimeFigureOut">
               <a:rPr lang="en-US" smtClean="0"/>
               <a:pPr/>
-              <a:t>6/13/2019</a:t>
+              <a:t>6/16/2019</a:t>
             </a:fld>
             <a:endParaRPr lang="en-US" dirty="0"/>
           </a:p>
@@ -2956,7 +2956,7 @@
             <a:fld id="{B61BEF0D-F0BB-DE4B-95CE-6DB70DBA9567}" type="datetimeFigureOut">
               <a:rPr lang="en-US" smtClean="0"/>
               <a:pPr/>
-              <a:t>6/13/2019</a:t>
+              <a:t>6/16/2019</a:t>
             </a:fld>
             <a:endParaRPr lang="en-US" dirty="0"/>
           </a:p>
